--- a/19_WeightTensor.pptx
+++ b/19_WeightTensor.pptx
@@ -5,7 +5,7 @@
     <p:sldMasterId id="2147483648" r:id="rId1"/>
   </p:sldMasterIdLst>
   <p:notesMasterIdLst>
-    <p:notesMasterId r:id="rId53"/>
+    <p:notesMasterId r:id="rId60"/>
   </p:notesMasterIdLst>
   <p:sldIdLst>
     <p:sldId id="256" r:id="rId2"/>
@@ -58,7 +58,14 @@
     <p:sldId id="391" r:id="rId49"/>
     <p:sldId id="392" r:id="rId50"/>
     <p:sldId id="393" r:id="rId51"/>
-    <p:sldId id="259" r:id="rId52"/>
+    <p:sldId id="403" r:id="rId52"/>
+    <p:sldId id="404" r:id="rId53"/>
+    <p:sldId id="405" r:id="rId54"/>
+    <p:sldId id="406" r:id="rId55"/>
+    <p:sldId id="407" r:id="rId56"/>
+    <p:sldId id="408" r:id="rId57"/>
+    <p:sldId id="409" r:id="rId58"/>
+    <p:sldId id="259" r:id="rId59"/>
   </p:sldIdLst>
   <p:sldSz cx="9144000" cy="6858000" type="screen4x3"/>
   <p:notesSz cx="6858000" cy="9144000"/>
@@ -259,7 +266,7 @@
             <a:fld id="{6837EDA8-41C8-4B24-A206-13C08A65A6D7}" type="datetimeFigureOut">
               <a:rPr lang="zh-TW" altLang="en-US" smtClean="0"/>
               <a:pPr/>
-              <a:t>2020/5/29</a:t>
+              <a:t>2020/5/30</a:t>
             </a:fld>
             <a:endParaRPr lang="zh-TW" altLang="en-US"/>
           </a:p>
@@ -712,7 +719,7 @@
             <a:fld id="{8B85509C-BD4F-47BF-9B1E-FC2E949B3621}" type="datetime1">
               <a:rPr lang="zh-TW" altLang="en-US" smtClean="0"/>
               <a:pPr/>
-              <a:t>2020/5/29</a:t>
+              <a:t>2020/5/30</a:t>
             </a:fld>
             <a:endParaRPr lang="zh-TW" altLang="en-US"/>
           </a:p>
@@ -885,7 +892,7 @@
             <a:fld id="{42251B24-F787-4C15-8A0F-7AEC20C70069}" type="datetime1">
               <a:rPr lang="zh-TW" altLang="en-US" smtClean="0"/>
               <a:pPr/>
-              <a:t>2020/5/29</a:t>
+              <a:t>2020/5/30</a:t>
             </a:fld>
             <a:endParaRPr lang="zh-TW" altLang="en-US"/>
           </a:p>
@@ -1060,7 +1067,7 @@
             <a:fld id="{9CA0D33C-CE2B-45F1-B8D4-FFD1F131F331}" type="datetime1">
               <a:rPr lang="zh-TW" altLang="en-US" smtClean="0"/>
               <a:pPr/>
-              <a:t>2020/5/29</a:t>
+              <a:t>2020/5/30</a:t>
             </a:fld>
             <a:endParaRPr lang="zh-TW" altLang="en-US"/>
           </a:p>
@@ -1225,7 +1232,7 @@
             <a:fld id="{50B99440-D9EF-40CC-9B52-F6428D9B2C76}" type="datetime1">
               <a:rPr lang="zh-TW" altLang="en-US" smtClean="0"/>
               <a:pPr/>
-              <a:t>2020/5/29</a:t>
+              <a:t>2020/5/30</a:t>
             </a:fld>
             <a:endParaRPr lang="zh-TW" altLang="en-US"/>
           </a:p>
@@ -1467,7 +1474,7 @@
             <a:fld id="{0871BF52-5C6C-4959-8E27-CECB68D39FE4}" type="datetime1">
               <a:rPr lang="zh-TW" altLang="en-US" smtClean="0"/>
               <a:pPr/>
-              <a:t>2020/5/29</a:t>
+              <a:t>2020/5/30</a:t>
             </a:fld>
             <a:endParaRPr lang="zh-TW" altLang="en-US"/>
           </a:p>
@@ -1749,7 +1756,7 @@
             <a:fld id="{DF863F05-2DD9-4EB1-A827-12FD992DE9DC}" type="datetime1">
               <a:rPr lang="zh-TW" altLang="en-US" smtClean="0"/>
               <a:pPr/>
-              <a:t>2020/5/29</a:t>
+              <a:t>2020/5/30</a:t>
             </a:fld>
             <a:endParaRPr lang="zh-TW" altLang="en-US"/>
           </a:p>
@@ -2165,7 +2172,7 @@
             <a:fld id="{6339AF51-4491-4873-A096-75DB6CE47516}" type="datetime1">
               <a:rPr lang="zh-TW" altLang="en-US" smtClean="0"/>
               <a:pPr/>
-              <a:t>2020/5/29</a:t>
+              <a:t>2020/5/30</a:t>
             </a:fld>
             <a:endParaRPr lang="zh-TW" altLang="en-US"/>
           </a:p>
@@ -2279,7 +2286,7 @@
             <a:fld id="{EE4AD9C8-8B9E-40FF-ABE2-858AC2057BBB}" type="datetime1">
               <a:rPr lang="zh-TW" altLang="en-US" smtClean="0"/>
               <a:pPr/>
-              <a:t>2020/5/29</a:t>
+              <a:t>2020/5/30</a:t>
             </a:fld>
             <a:endParaRPr lang="zh-TW" altLang="en-US"/>
           </a:p>
@@ -2371,7 +2378,7 @@
             <a:fld id="{B4784999-BBBE-4BE4-A8D0-877E7D1D66CC}" type="datetime1">
               <a:rPr lang="zh-TW" altLang="en-US" smtClean="0"/>
               <a:pPr/>
-              <a:t>2020/5/29</a:t>
+              <a:t>2020/5/30</a:t>
             </a:fld>
             <a:endParaRPr lang="zh-TW" altLang="en-US"/>
           </a:p>
@@ -2643,7 +2650,7 @@
             <a:fld id="{E88D17E6-02BD-4944-B9FE-7BFCCBF83D48}" type="datetime1">
               <a:rPr lang="zh-TW" altLang="en-US" smtClean="0"/>
               <a:pPr/>
-              <a:t>2020/5/29</a:t>
+              <a:t>2020/5/30</a:t>
             </a:fld>
             <a:endParaRPr lang="zh-TW" altLang="en-US"/>
           </a:p>
@@ -2892,7 +2899,7 @@
             <a:fld id="{3C13E23D-1FEF-4D78-A3A3-3D6F2BB31954}" type="datetime1">
               <a:rPr lang="zh-TW" altLang="en-US" smtClean="0"/>
               <a:pPr/>
-              <a:t>2020/5/29</a:t>
+              <a:t>2020/5/30</a:t>
             </a:fld>
             <a:endParaRPr lang="zh-TW" altLang="en-US"/>
           </a:p>
@@ -3100,7 +3107,7 @@
             <a:fld id="{06197F35-AD6F-4594-8B50-334492D2E7E8}" type="datetime1">
               <a:rPr lang="zh-TW" altLang="en-US" smtClean="0"/>
               <a:pPr/>
-              <a:t>2020/5/29</a:t>
+              <a:t>2020/5/30</a:t>
             </a:fld>
             <a:endParaRPr lang="zh-TW" altLang="en-US"/>
           </a:p>
@@ -3561,7 +3568,7 @@
             <a:fld id="{C389EDC9-19E3-47AC-9C57-C6A24DEA81AD}" type="datetime1">
               <a:rPr lang="zh-TW" altLang="en-US" smtClean="0"/>
               <a:pPr/>
-              <a:t>2020/5/29</a:t>
+              <a:t>2020/5/30</a:t>
             </a:fld>
             <a:endParaRPr lang="zh-TW" altLang="en-US"/>
           </a:p>
@@ -3906,7 +3913,7 @@
             <a:fld id="{A4F910E6-8D00-4BAF-8C48-9688E0B449D3}" type="datetime1">
               <a:rPr lang="zh-TW" altLang="en-US" smtClean="0"/>
               <a:pPr/>
-              <a:t>2020/5/29</a:t>
+              <a:t>2020/5/30</a:t>
             </a:fld>
             <a:endParaRPr lang="zh-TW" altLang="en-US"/>
           </a:p>
@@ -4060,7 +4067,7 @@
             <a:fld id="{C389EDC9-19E3-47AC-9C57-C6A24DEA81AD}" type="datetime1">
               <a:rPr lang="zh-TW" altLang="en-US" smtClean="0"/>
               <a:pPr/>
-              <a:t>2020/5/29</a:t>
+              <a:t>2020/5/30</a:t>
             </a:fld>
             <a:endParaRPr lang="zh-TW" altLang="en-US"/>
           </a:p>
@@ -4426,7 +4433,7 @@
             <a:fld id="{A4F910E6-8D00-4BAF-8C48-9688E0B449D3}" type="datetime1">
               <a:rPr lang="zh-TW" altLang="en-US" smtClean="0"/>
               <a:pPr/>
-              <a:t>2020/5/29</a:t>
+              <a:t>2020/5/30</a:t>
             </a:fld>
             <a:endParaRPr lang="zh-TW" altLang="en-US"/>
           </a:p>
@@ -4781,7 +4788,7 @@
             <a:fld id="{A4F910E6-8D00-4BAF-8C48-9688E0B449D3}" type="datetime1">
               <a:rPr lang="zh-TW" altLang="en-US" smtClean="0"/>
               <a:pPr/>
-              <a:t>2020/5/29</a:t>
+              <a:t>2020/5/30</a:t>
             </a:fld>
             <a:endParaRPr lang="zh-TW" altLang="en-US"/>
           </a:p>
@@ -4900,7 +4907,7 @@
             <a:fld id="{C389EDC9-19E3-47AC-9C57-C6A24DEA81AD}" type="datetime1">
               <a:rPr lang="zh-TW" altLang="en-US" smtClean="0"/>
               <a:pPr/>
-              <a:t>2020/5/29</a:t>
+              <a:t>2020/5/30</a:t>
             </a:fld>
             <a:endParaRPr lang="zh-TW" altLang="en-US"/>
           </a:p>
@@ -5284,7 +5291,7 @@
             <a:fld id="{A4F910E6-8D00-4BAF-8C48-9688E0B449D3}" type="datetime1">
               <a:rPr lang="zh-TW" altLang="en-US" smtClean="0"/>
               <a:pPr/>
-              <a:t>2020/5/29</a:t>
+              <a:t>2020/5/30</a:t>
             </a:fld>
             <a:endParaRPr lang="zh-TW" altLang="en-US"/>
           </a:p>
@@ -5875,7 +5882,7 @@
             <a:fld id="{A4F910E6-8D00-4BAF-8C48-9688E0B449D3}" type="datetime1">
               <a:rPr lang="zh-TW" altLang="en-US" smtClean="0"/>
               <a:pPr/>
-              <a:t>2020/5/29</a:t>
+              <a:t>2020/5/30</a:t>
             </a:fld>
             <a:endParaRPr lang="zh-TW" altLang="en-US"/>
           </a:p>
@@ -6210,7 +6217,7 @@
             <a:fld id="{A4F910E6-8D00-4BAF-8C48-9688E0B449D3}" type="datetime1">
               <a:rPr lang="zh-TW" altLang="en-US" smtClean="0"/>
               <a:pPr/>
-              <a:t>2020/5/29</a:t>
+              <a:t>2020/5/30</a:t>
             </a:fld>
             <a:endParaRPr lang="zh-TW" altLang="en-US"/>
           </a:p>
@@ -6868,7 +6875,7 @@
             <a:fld id="{A4F910E6-8D00-4BAF-8C48-9688E0B449D3}" type="datetime1">
               <a:rPr lang="zh-TW" altLang="en-US" smtClean="0"/>
               <a:pPr/>
-              <a:t>2020/5/29</a:t>
+              <a:t>2020/5/30</a:t>
             </a:fld>
             <a:endParaRPr lang="zh-TW" altLang="en-US"/>
           </a:p>
@@ -7187,7 +7194,7 @@
             <a:fld id="{A4F910E6-8D00-4BAF-8C48-9688E0B449D3}" type="datetime1">
               <a:rPr lang="zh-TW" altLang="en-US" smtClean="0"/>
               <a:pPr/>
-              <a:t>2020/5/29</a:t>
+              <a:t>2020/5/30</a:t>
             </a:fld>
             <a:endParaRPr lang="zh-TW" altLang="en-US"/>
           </a:p>
@@ -7609,7 +7616,7 @@
             <a:fld id="{A4F910E6-8D00-4BAF-8C48-9688E0B449D3}" type="datetime1">
               <a:rPr lang="zh-TW" altLang="en-US" smtClean="0"/>
               <a:pPr/>
-              <a:t>2020/5/29</a:t>
+              <a:t>2020/5/30</a:t>
             </a:fld>
             <a:endParaRPr lang="zh-TW" altLang="en-US"/>
           </a:p>
@@ -7728,7 +7735,7 @@
             <a:fld id="{C389EDC9-19E3-47AC-9C57-C6A24DEA81AD}" type="datetime1">
               <a:rPr lang="zh-TW" altLang="en-US" smtClean="0"/>
               <a:pPr/>
-              <a:t>2020/5/29</a:t>
+              <a:t>2020/5/30</a:t>
             </a:fld>
             <a:endParaRPr lang="zh-TW" altLang="en-US"/>
           </a:p>
@@ -8076,7 +8083,7 @@
             <a:fld id="{A4F910E6-8D00-4BAF-8C48-9688E0B449D3}" type="datetime1">
               <a:rPr lang="zh-TW" altLang="en-US" smtClean="0"/>
               <a:pPr/>
-              <a:t>2020/5/29</a:t>
+              <a:t>2020/5/30</a:t>
             </a:fld>
             <a:endParaRPr lang="zh-TW" altLang="en-US"/>
           </a:p>
@@ -8446,7 +8453,7 @@
             <a:fld id="{A4F910E6-8D00-4BAF-8C48-9688E0B449D3}" type="datetime1">
               <a:rPr lang="zh-TW" altLang="en-US" smtClean="0"/>
               <a:pPr/>
-              <a:t>2020/5/29</a:t>
+              <a:t>2020/5/30</a:t>
             </a:fld>
             <a:endParaRPr lang="zh-TW" altLang="en-US"/>
           </a:p>
@@ -8836,7 +8843,7 @@
             <a:fld id="{A4F910E6-8D00-4BAF-8C48-9688E0B449D3}" type="datetime1">
               <a:rPr lang="zh-TW" altLang="en-US" smtClean="0"/>
               <a:pPr/>
-              <a:t>2020/5/29</a:t>
+              <a:t>2020/5/30</a:t>
             </a:fld>
             <a:endParaRPr lang="zh-TW" altLang="en-US"/>
           </a:p>
@@ -9173,7 +9180,7 @@
             <a:fld id="{A4F910E6-8D00-4BAF-8C48-9688E0B449D3}" type="datetime1">
               <a:rPr lang="zh-TW" altLang="en-US" smtClean="0"/>
               <a:pPr/>
-              <a:t>2020/5/29</a:t>
+              <a:t>2020/5/30</a:t>
             </a:fld>
             <a:endParaRPr lang="zh-TW" altLang="en-US"/>
           </a:p>
@@ -9379,7 +9386,7 @@
             <a:fld id="{C389EDC9-19E3-47AC-9C57-C6A24DEA81AD}" type="datetime1">
               <a:rPr lang="zh-TW" altLang="en-US" smtClean="0"/>
               <a:pPr/>
-              <a:t>2020/5/29</a:t>
+              <a:t>2020/5/30</a:t>
             </a:fld>
             <a:endParaRPr lang="zh-TW" altLang="en-US"/>
           </a:p>
@@ -9693,7 +9700,7 @@
             <a:fld id="{A4F910E6-8D00-4BAF-8C48-9688E0B449D3}" type="datetime1">
               <a:rPr lang="zh-TW" altLang="en-US" smtClean="0"/>
               <a:pPr/>
-              <a:t>2020/5/29</a:t>
+              <a:t>2020/5/30</a:t>
             </a:fld>
             <a:endParaRPr lang="zh-TW" altLang="en-US"/>
           </a:p>
@@ -10064,7 +10071,7 @@
             <a:fld id="{A4F910E6-8D00-4BAF-8C48-9688E0B449D3}" type="datetime1">
               <a:rPr lang="zh-TW" altLang="en-US" smtClean="0"/>
               <a:pPr/>
-              <a:t>2020/5/29</a:t>
+              <a:t>2020/5/30</a:t>
             </a:fld>
             <a:endParaRPr lang="zh-TW" altLang="en-US"/>
           </a:p>
@@ -10218,7 +10225,7 @@
             <a:fld id="{C389EDC9-19E3-47AC-9C57-C6A24DEA81AD}" type="datetime1">
               <a:rPr lang="zh-TW" altLang="en-US" smtClean="0"/>
               <a:pPr/>
-              <a:t>2020/5/29</a:t>
+              <a:t>2020/5/30</a:t>
             </a:fld>
             <a:endParaRPr lang="zh-TW" altLang="en-US"/>
           </a:p>
@@ -10532,7 +10539,7 @@
             <a:fld id="{A4F910E6-8D00-4BAF-8C48-9688E0B449D3}" type="datetime1">
               <a:rPr lang="zh-TW" altLang="en-US" smtClean="0"/>
               <a:pPr/>
-              <a:t>2020/5/29</a:t>
+              <a:t>2020/5/30</a:t>
             </a:fld>
             <a:endParaRPr lang="zh-TW" altLang="en-US"/>
           </a:p>
@@ -11238,7 +11245,7 @@
             <a:fld id="{A4F910E6-8D00-4BAF-8C48-9688E0B449D3}" type="datetime1">
               <a:rPr lang="zh-TW" altLang="en-US" smtClean="0"/>
               <a:pPr/>
-              <a:t>2020/5/29</a:t>
+              <a:t>2020/5/30</a:t>
             </a:fld>
             <a:endParaRPr lang="zh-TW" altLang="en-US"/>
           </a:p>
@@ -11522,7 +11529,7 @@
             <a:fld id="{A4F910E6-8D00-4BAF-8C48-9688E0B449D3}" type="datetime1">
               <a:rPr lang="zh-TW" altLang="en-US" smtClean="0"/>
               <a:pPr/>
-              <a:t>2020/5/29</a:t>
+              <a:t>2020/5/30</a:t>
             </a:fld>
             <a:endParaRPr lang="zh-TW" altLang="en-US"/>
           </a:p>
@@ -12066,7 +12073,7 @@
             <a:fld id="{A4F910E6-8D00-4BAF-8C48-9688E0B449D3}" type="datetime1">
               <a:rPr lang="zh-TW" altLang="en-US" smtClean="0"/>
               <a:pPr/>
-              <a:t>2020/5/29</a:t>
+              <a:t>2020/5/30</a:t>
             </a:fld>
             <a:endParaRPr lang="zh-TW" altLang="en-US"/>
           </a:p>
@@ -12710,7 +12717,7 @@
             <a:fld id="{A4F910E6-8D00-4BAF-8C48-9688E0B449D3}" type="datetime1">
               <a:rPr lang="zh-TW" altLang="en-US" smtClean="0"/>
               <a:pPr/>
-              <a:t>2020/5/29</a:t>
+              <a:t>2020/5/30</a:t>
             </a:fld>
             <a:endParaRPr lang="zh-TW" altLang="en-US"/>
           </a:p>
@@ -13099,7 +13106,7 @@
             <a:fld id="{A4F910E6-8D00-4BAF-8C48-9688E0B449D3}" type="datetime1">
               <a:rPr lang="zh-TW" altLang="en-US" smtClean="0"/>
               <a:pPr/>
-              <a:t>2020/5/29</a:t>
+              <a:t>2020/5/30</a:t>
             </a:fld>
             <a:endParaRPr lang="zh-TW" altLang="en-US"/>
           </a:p>
@@ -13872,7 +13879,7 @@
             <a:fld id="{A4F910E6-8D00-4BAF-8C48-9688E0B449D3}" type="datetime1">
               <a:rPr lang="zh-TW" altLang="en-US" smtClean="0"/>
               <a:pPr/>
-              <a:t>2020/5/29</a:t>
+              <a:t>2020/5/30</a:t>
             </a:fld>
             <a:endParaRPr lang="zh-TW" altLang="en-US"/>
           </a:p>
@@ -14615,7 +14622,7 @@
             <a:fld id="{A4F910E6-8D00-4BAF-8C48-9688E0B449D3}" type="datetime1">
               <a:rPr lang="zh-TW" altLang="en-US" smtClean="0"/>
               <a:pPr/>
-              <a:t>2020/5/29</a:t>
+              <a:t>2020/5/30</a:t>
             </a:fld>
             <a:endParaRPr lang="zh-TW" altLang="en-US"/>
           </a:p>
@@ -14769,7 +14776,7 @@
             <a:fld id="{C389EDC9-19E3-47AC-9C57-C6A24DEA81AD}" type="datetime1">
               <a:rPr lang="zh-TW" altLang="en-US" smtClean="0"/>
               <a:pPr/>
-              <a:t>2020/5/29</a:t>
+              <a:t>2020/5/30</a:t>
             </a:fld>
             <a:endParaRPr lang="zh-TW" altLang="en-US"/>
           </a:p>
@@ -15113,7 +15120,7 @@
             <a:fld id="{A4F910E6-8D00-4BAF-8C48-9688E0B449D3}" type="datetime1">
               <a:rPr lang="zh-TW" altLang="en-US" smtClean="0"/>
               <a:pPr/>
-              <a:t>2020/5/29</a:t>
+              <a:t>2020/5/30</a:t>
             </a:fld>
             <a:endParaRPr lang="zh-TW" altLang="en-US"/>
           </a:p>
@@ -15691,7 +15698,7 @@
             <a:fld id="{C389EDC9-19E3-47AC-9C57-C6A24DEA81AD}" type="datetime1">
               <a:rPr lang="zh-TW" altLang="en-US" smtClean="0"/>
               <a:pPr/>
-              <a:t>2020/5/29</a:t>
+              <a:t>2020/5/30</a:t>
             </a:fld>
             <a:endParaRPr lang="zh-TW" altLang="en-US"/>
           </a:p>
@@ -16023,7 +16030,7 @@
             <a:fld id="{A4F910E6-8D00-4BAF-8C48-9688E0B449D3}" type="datetime1">
               <a:rPr lang="zh-TW" altLang="en-US" smtClean="0"/>
               <a:pPr/>
-              <a:t>2020/5/29</a:t>
+              <a:t>2020/5/30</a:t>
             </a:fld>
             <a:endParaRPr lang="zh-TW" altLang="en-US"/>
           </a:p>
@@ -16486,7 +16493,7 @@
             <a:fld id="{A4F910E6-8D00-4BAF-8C48-9688E0B449D3}" type="datetime1">
               <a:rPr lang="zh-TW" altLang="en-US" smtClean="0"/>
               <a:pPr/>
-              <a:t>2020/5/29</a:t>
+              <a:t>2020/5/30</a:t>
             </a:fld>
             <a:endParaRPr lang="zh-TW" altLang="en-US"/>
           </a:p>
@@ -16788,7 +16795,7 @@
             <a:fld id="{A4F910E6-8D00-4BAF-8C48-9688E0B449D3}" type="datetime1">
               <a:rPr lang="zh-TW" altLang="en-US" smtClean="0"/>
               <a:pPr/>
-              <a:t>2020/5/29</a:t>
+              <a:t>2020/5/30</a:t>
             </a:fld>
             <a:endParaRPr lang="zh-TW" altLang="en-US"/>
           </a:p>
@@ -17125,7 +17132,7 @@
             <a:fld id="{A4F910E6-8D00-4BAF-8C48-9688E0B449D3}" type="datetime1">
               <a:rPr lang="zh-TW" altLang="en-US" smtClean="0"/>
               <a:pPr/>
-              <a:t>2020/5/29</a:t>
+              <a:t>2020/5/30</a:t>
             </a:fld>
             <a:endParaRPr lang="zh-TW" altLang="en-US"/>
           </a:p>
@@ -17462,7 +17469,7 @@
             <a:fld id="{A4F910E6-8D00-4BAF-8C48-9688E0B449D3}" type="datetime1">
               <a:rPr lang="zh-TW" altLang="en-US" smtClean="0"/>
               <a:pPr/>
-              <a:t>2020/5/29</a:t>
+              <a:t>2020/5/30</a:t>
             </a:fld>
             <a:endParaRPr lang="zh-TW" altLang="en-US"/>
           </a:p>
@@ -17799,7 +17806,7 @@
             <a:fld id="{A4F910E6-8D00-4BAF-8C48-9688E0B449D3}" type="datetime1">
               <a:rPr lang="zh-TW" altLang="en-US" smtClean="0"/>
               <a:pPr/>
-              <a:t>2020/5/29</a:t>
+              <a:t>2020/5/30</a:t>
             </a:fld>
             <a:endParaRPr lang="zh-TW" altLang="en-US"/>
           </a:p>
@@ -18136,7 +18143,7 @@
             <a:fld id="{A4F910E6-8D00-4BAF-8C48-9688E0B449D3}" type="datetime1">
               <a:rPr lang="zh-TW" altLang="en-US" smtClean="0"/>
               <a:pPr/>
-              <a:t>2020/5/29</a:t>
+              <a:t>2020/5/30</a:t>
             </a:fld>
             <a:endParaRPr lang="zh-TW" altLang="en-US"/>
           </a:p>
@@ -18473,7 +18480,7 @@
             <a:fld id="{A4F910E6-8D00-4BAF-8C48-9688E0B449D3}" type="datetime1">
               <a:rPr lang="zh-TW" altLang="en-US" smtClean="0"/>
               <a:pPr/>
-              <a:t>2020/5/29</a:t>
+              <a:t>2020/5/30</a:t>
             </a:fld>
             <a:endParaRPr lang="zh-TW" altLang="en-US"/>
           </a:p>
@@ -18792,7 +18799,7 @@
             <a:fld id="{A4F910E6-8D00-4BAF-8C48-9688E0B449D3}" type="datetime1">
               <a:rPr lang="zh-TW" altLang="en-US" smtClean="0"/>
               <a:pPr/>
-              <a:t>2020/5/29</a:t>
+              <a:t>2020/5/30</a:t>
             </a:fld>
             <a:endParaRPr lang="zh-TW" altLang="en-US"/>
           </a:p>
@@ -18946,7 +18953,7 @@
             <a:fld id="{C389EDC9-19E3-47AC-9C57-C6A24DEA81AD}" type="datetime1">
               <a:rPr lang="zh-TW" altLang="en-US" smtClean="0"/>
               <a:pPr/>
-              <a:t>2020/5/29</a:t>
+              <a:t>2020/5/30</a:t>
             </a:fld>
             <a:endParaRPr lang="zh-TW" altLang="en-US"/>
           </a:p>
@@ -19242,7 +19249,7 @@
             <a:fld id="{A4F910E6-8D00-4BAF-8C48-9688E0B449D3}" type="datetime1">
               <a:rPr lang="zh-TW" altLang="en-US" smtClean="0"/>
               <a:pPr/>
-              <a:t>2020/5/29</a:t>
+              <a:t>2020/5/30</a:t>
             </a:fld>
             <a:endParaRPr lang="zh-TW" altLang="en-US"/>
           </a:p>
@@ -19543,7 +19550,7 @@
             <a:fld id="{A4F910E6-8D00-4BAF-8C48-9688E0B449D3}" type="datetime1">
               <a:rPr lang="zh-TW" altLang="en-US" smtClean="0"/>
               <a:pPr/>
-              <a:t>2020/5/29</a:t>
+              <a:t>2020/5/30</a:t>
             </a:fld>
             <a:endParaRPr lang="zh-TW" altLang="en-US"/>
           </a:p>
@@ -19697,7 +19704,7 @@
             <a:fld id="{C389EDC9-19E3-47AC-9C57-C6A24DEA81AD}" type="datetime1">
               <a:rPr lang="zh-TW" altLang="en-US" smtClean="0"/>
               <a:pPr/>
-              <a:t>2020/5/29</a:t>
+              <a:t>2020/5/30</a:t>
             </a:fld>
             <a:endParaRPr lang="zh-TW" altLang="en-US"/>
           </a:p>
@@ -19993,7 +20000,7 @@
             <a:fld id="{A4F910E6-8D00-4BAF-8C48-9688E0B449D3}" type="datetime1">
               <a:rPr lang="zh-TW" altLang="en-US" smtClean="0"/>
               <a:pPr/>
-              <a:t>2020/5/29</a:t>
+              <a:t>2020/5/30</a:t>
             </a:fld>
             <a:endParaRPr lang="zh-TW" altLang="en-US"/>
           </a:p>
@@ -20138,22 +20145,171 @@
             <a:off x="0" y="2130425"/>
             <a:ext cx="9144000" cy="1470025"/>
           </a:xfrm>
+          <a:solidFill>
+            <a:srgbClr val="00B0F0"/>
+          </a:solidFill>
+        </p:spPr>
+        <p:txBody>
+          <a:bodyPr>
+            <a:normAutofit/>
+          </a:bodyPr>
+          <a:lstStyle/>
+          <a:p>
+            <a:r>
+              <a:rPr lang="en-US" altLang="zh-TW" sz="4800" b="1" dirty="0">
+                <a:solidFill>
+                  <a:srgbClr val="FFFF00"/>
+                </a:solidFill>
+              </a:rPr>
+              <a:t>19.10 Quiz</a:t>
+            </a:r>
+            <a:endParaRPr lang="zh-TW" altLang="en-US" sz="4800" b="1" dirty="0">
+              <a:solidFill>
+                <a:srgbClr val="FFFF00"/>
+              </a:solidFill>
+            </a:endParaRPr>
+          </a:p>
+        </p:txBody>
+      </p:sp>
+      <p:sp>
+        <p:nvSpPr>
+          <p:cNvPr id="5" name="日期版面配置區 4"/>
+          <p:cNvSpPr>
+            <a:spLocks noGrp="1"/>
+          </p:cNvSpPr>
+          <p:nvPr>
+            <p:ph type="dt" sz="half" idx="10"/>
+          </p:nvPr>
+        </p:nvSpPr>
+        <p:spPr/>
+        <p:txBody>
+          <a:bodyPr/>
+          <a:lstStyle/>
+          <a:p>
+            <a:fld id="{C389EDC9-19E3-47AC-9C57-C6A24DEA81AD}" type="datetime1">
+              <a:rPr lang="zh-TW" altLang="en-US" smtClean="0"/>
+              <a:pPr/>
+              <a:t>2020/5/30</a:t>
+            </a:fld>
+            <a:endParaRPr lang="zh-TW" altLang="en-US"/>
+          </a:p>
+        </p:txBody>
+      </p:sp>
+      <p:sp>
+        <p:nvSpPr>
+          <p:cNvPr id="6" name="投影片編號版面配置區 5"/>
+          <p:cNvSpPr>
+            <a:spLocks noGrp="1"/>
+          </p:cNvSpPr>
+          <p:nvPr>
+            <p:ph type="sldNum" sz="quarter" idx="12"/>
+          </p:nvPr>
+        </p:nvSpPr>
+        <p:spPr/>
+        <p:txBody>
+          <a:bodyPr/>
+          <a:lstStyle/>
+          <a:p>
+            <a:fld id="{E4D7E63D-91F2-4366-A2C4-1B00C9E2590E}" type="slidenum">
+              <a:rPr lang="zh-TW" altLang="en-US" smtClean="0"/>
+              <a:pPr/>
+              <a:t>51</a:t>
+            </a:fld>
+            <a:endParaRPr lang="zh-TW" altLang="en-US"/>
+          </a:p>
+        </p:txBody>
+      </p:sp>
+      <p:pic>
+        <p:nvPicPr>
+          <p:cNvPr id="7" name="Picture 6">
+            <a:extLst>
+              <a:ext uri="{FF2B5EF4-FFF2-40B4-BE49-F238E27FC236}">
+                <a16:creationId xmlns:a16="http://schemas.microsoft.com/office/drawing/2014/main" id="{6036082F-9FF3-4FD3-AAB6-79929EA80D69}"/>
+              </a:ext>
+            </a:extLst>
+          </p:cNvPr>
+          <p:cNvPicPr>
+            <a:picLocks noChangeAspect="1"/>
+          </p:cNvPicPr>
+          <p:nvPr/>
+        </p:nvPicPr>
+        <p:blipFill>
+          <a:blip r:embed="rId2"/>
+          <a:stretch>
+            <a:fillRect/>
+          </a:stretch>
+        </p:blipFill>
+        <p:spPr>
+          <a:xfrm>
+            <a:off x="3995936" y="3646102"/>
+            <a:ext cx="833859" cy="989784"/>
+          </a:xfrm>
+          <a:prstGeom prst="rect">
+            <a:avLst/>
+          </a:prstGeom>
+        </p:spPr>
+      </p:pic>
+    </p:spTree>
+    <p:extLst>
+      <p:ext uri="{BB962C8B-B14F-4D97-AF65-F5344CB8AC3E}">
+        <p14:creationId xmlns:p14="http://schemas.microsoft.com/office/powerpoint/2010/main" val="49669041"/>
+      </p:ext>
+    </p:extLst>
+  </p:cSld>
+  <p:clrMapOvr>
+    <a:masterClrMapping/>
+  </p:clrMapOvr>
+</p:sld>
+</file>
+
+<file path=ppt/slides/slide52.xml><?xml version="1.0" encoding="utf-8"?>
+<p:sld xmlns:a="http://schemas.openxmlformats.org/drawingml/2006/main" xmlns:r="http://schemas.openxmlformats.org/officeDocument/2006/relationships" xmlns:p="http://schemas.openxmlformats.org/presentationml/2006/main">
+  <p:cSld>
+    <p:spTree>
+      <p:nvGrpSpPr>
+        <p:cNvPr id="1" name=""/>
+        <p:cNvGrpSpPr/>
+        <p:nvPr/>
+      </p:nvGrpSpPr>
+      <p:grpSpPr>
+        <a:xfrm>
+          <a:off x="0" y="0"/>
+          <a:ext cx="0" cy="0"/>
+          <a:chOff x="0" y="0"/>
+          <a:chExt cx="0" cy="0"/>
+        </a:xfrm>
+      </p:grpSpPr>
+      <p:sp>
+        <p:nvSpPr>
+          <p:cNvPr id="2" name="標題 1"/>
+          <p:cNvSpPr>
+            <a:spLocks noGrp="1"/>
+          </p:cNvSpPr>
+          <p:nvPr>
+            <p:ph type="ctrTitle"/>
+          </p:nvPr>
+        </p:nvSpPr>
+        <p:spPr>
+          <a:xfrm>
+            <a:off x="0" y="1"/>
+            <a:ext cx="9144000" cy="764704"/>
+          </a:xfrm>
           <a:gradFill flip="none" rotWithShape="1">
             <a:gsLst>
               <a:gs pos="0">
-                <a:srgbClr val="00B0F0">
+                <a:srgbClr val="C00000">
                   <a:shade val="30000"/>
                   <a:satMod val="115000"/>
                 </a:srgbClr>
               </a:gs>
               <a:gs pos="50000">
-                <a:srgbClr val="00B0F0">
+                <a:srgbClr val="C00000">
                   <a:shade val="67500"/>
                   <a:satMod val="115000"/>
                 </a:srgbClr>
               </a:gs>
               <a:gs pos="100000">
-                <a:srgbClr val="00B0F0">
+                <a:srgbClr val="C00000">
                   <a:shade val="100000"/>
                   <a:satMod val="115000"/>
                 </a:srgbClr>
@@ -20171,6 +20327,1812 @@
           </a:bodyPr>
           <a:lstStyle/>
           <a:p>
+            <a:pPr algn="l"/>
+            <a:r>
+              <a:rPr lang="en-US" altLang="zh-TW" b="1" dirty="0">
+                <a:solidFill>
+                  <a:srgbClr val="FFFF00"/>
+                </a:solidFill>
+              </a:rPr>
+              <a:t>19.10 Quiz</a:t>
+            </a:r>
+            <a:endParaRPr lang="zh-TW" altLang="en-US" b="1" dirty="0">
+              <a:solidFill>
+                <a:srgbClr val="FFFF00"/>
+              </a:solidFill>
+            </a:endParaRPr>
+          </a:p>
+        </p:txBody>
+      </p:sp>
+      <p:sp>
+        <p:nvSpPr>
+          <p:cNvPr id="3" name="副標題 2"/>
+          <p:cNvSpPr>
+            <a:spLocks noGrp="1"/>
+          </p:cNvSpPr>
+          <p:nvPr>
+            <p:ph type="subTitle" idx="1"/>
+          </p:nvPr>
+        </p:nvSpPr>
+        <p:spPr>
+          <a:xfrm>
+            <a:off x="457200" y="1325448"/>
+            <a:ext cx="1018456" cy="360041"/>
+          </a:xfrm>
+          <a:ln>
+            <a:solidFill>
+              <a:srgbClr val="C00000"/>
+            </a:solidFill>
+          </a:ln>
+        </p:spPr>
+        <p:txBody>
+          <a:bodyPr>
+            <a:noAutofit/>
+          </a:bodyPr>
+          <a:lstStyle/>
+          <a:p>
+            <a:pPr marL="342900" indent="-342900" algn="l">
+              <a:buClr>
+                <a:srgbClr val="0070C0"/>
+              </a:buClr>
+              <a:buSzPct val="80000"/>
+              <a:buFont typeface="Wingdings" pitchFamily="2" charset="2"/>
+              <a:buChar char="u"/>
+            </a:pPr>
+            <a:r>
+              <a:rPr lang="en-US" sz="1800" b="1" dirty="0">
+                <a:solidFill>
+                  <a:schemeClr val="tx1"/>
+                </a:solidFill>
+              </a:rPr>
+              <a:t>Quiz</a:t>
+            </a:r>
+          </a:p>
+        </p:txBody>
+      </p:sp>
+      <p:sp>
+        <p:nvSpPr>
+          <p:cNvPr id="4" name="標題 1"/>
+          <p:cNvSpPr txBox="1">
+            <a:spLocks/>
+          </p:cNvSpPr>
+          <p:nvPr/>
+        </p:nvSpPr>
+        <p:spPr>
+          <a:xfrm>
+            <a:off x="0" y="764704"/>
+            <a:ext cx="9144000" cy="360040"/>
+          </a:xfrm>
+          <a:prstGeom prst="rect">
+            <a:avLst/>
+          </a:prstGeom>
+          <a:gradFill flip="none" rotWithShape="1">
+            <a:gsLst>
+              <a:gs pos="0">
+                <a:srgbClr val="00B0F0">
+                  <a:shade val="30000"/>
+                  <a:satMod val="115000"/>
+                </a:srgbClr>
+              </a:gs>
+              <a:gs pos="50000">
+                <a:srgbClr val="00B0F0">
+                  <a:shade val="67500"/>
+                  <a:satMod val="115000"/>
+                </a:srgbClr>
+              </a:gs>
+              <a:gs pos="100000">
+                <a:srgbClr val="00B0F0">
+                  <a:shade val="100000"/>
+                  <a:satMod val="115000"/>
+                </a:srgbClr>
+              </a:gs>
+            </a:gsLst>
+            <a:path path="circle">
+              <a:fillToRect t="100000" r="100000"/>
+            </a:path>
+            <a:tileRect l="-100000" b="-100000"/>
+          </a:gradFill>
+        </p:spPr>
+        <p:txBody>
+          <a:bodyPr vert="horz" lIns="91440" tIns="45720" rIns="91440" bIns="45720" rtlCol="0" anchor="ctr">
+            <a:normAutofit/>
+          </a:bodyPr>
+          <a:lstStyle/>
+          <a:p>
+            <a:pPr lvl="0">
+              <a:spcBef>
+                <a:spcPct val="0"/>
+              </a:spcBef>
+            </a:pPr>
+            <a:r>
+              <a:rPr lang="en-US" sz="1600" dirty="0">
+                <a:hlinkClick r:id="rId2"/>
+              </a:rPr>
+              <a:t>https://www.youtube.com/watch?v=stWU37L91Yc&amp;list=PLZbbT5o_s2xrfNyHZsM6ufI0iZENK9xgG&amp;index=19</a:t>
+            </a:r>
+            <a:endParaRPr kumimoji="0" lang="zh-TW" altLang="en-US" sz="1600" b="0" i="0" u="none" strike="noStrike" kern="1200" cap="none" spc="0" normalizeH="0" baseline="0" noProof="0" dirty="0">
+              <a:ln>
+                <a:noFill/>
+              </a:ln>
+              <a:solidFill>
+                <a:schemeClr val="tx1"/>
+              </a:solidFill>
+              <a:effectLst/>
+              <a:uLnTx/>
+              <a:uFillTx/>
+              <a:latin typeface="+mj-lt"/>
+              <a:ea typeface="+mj-ea"/>
+              <a:cs typeface="+mj-cs"/>
+            </a:endParaRPr>
+          </a:p>
+        </p:txBody>
+      </p:sp>
+      <p:sp>
+        <p:nvSpPr>
+          <p:cNvPr id="5" name="日期版面配置區 4"/>
+          <p:cNvSpPr>
+            <a:spLocks noGrp="1"/>
+          </p:cNvSpPr>
+          <p:nvPr>
+            <p:ph type="dt" sz="half" idx="10"/>
+          </p:nvPr>
+        </p:nvSpPr>
+        <p:spPr/>
+        <p:txBody>
+          <a:bodyPr/>
+          <a:lstStyle/>
+          <a:p>
+            <a:fld id="{A4F910E6-8D00-4BAF-8C48-9688E0B449D3}" type="datetime1">
+              <a:rPr lang="zh-TW" altLang="en-US" smtClean="0"/>
+              <a:pPr/>
+              <a:t>2020/5/30</a:t>
+            </a:fld>
+            <a:endParaRPr lang="zh-TW" altLang="en-US"/>
+          </a:p>
+        </p:txBody>
+      </p:sp>
+      <p:sp>
+        <p:nvSpPr>
+          <p:cNvPr id="6" name="投影片編號版面配置區 5"/>
+          <p:cNvSpPr>
+            <a:spLocks noGrp="1"/>
+          </p:cNvSpPr>
+          <p:nvPr>
+            <p:ph type="sldNum" sz="quarter" idx="12"/>
+          </p:nvPr>
+        </p:nvSpPr>
+        <p:spPr/>
+        <p:txBody>
+          <a:bodyPr/>
+          <a:lstStyle/>
+          <a:p>
+            <a:fld id="{E4D7E63D-91F2-4366-A2C4-1B00C9E2590E}" type="slidenum">
+              <a:rPr lang="zh-TW" altLang="en-US" smtClean="0"/>
+              <a:pPr/>
+              <a:t>52</a:t>
+            </a:fld>
+            <a:endParaRPr lang="zh-TW" altLang="en-US"/>
+          </a:p>
+        </p:txBody>
+      </p:sp>
+      <p:pic>
+        <p:nvPicPr>
+          <p:cNvPr id="7" name="Picture 6">
+            <a:extLst>
+              <a:ext uri="{FF2B5EF4-FFF2-40B4-BE49-F238E27FC236}">
+                <a16:creationId xmlns:a16="http://schemas.microsoft.com/office/drawing/2014/main" id="{3DDF3A93-DDB9-439B-82DB-B86B8BBC82B0}"/>
+              </a:ext>
+            </a:extLst>
+          </p:cNvPr>
+          <p:cNvPicPr>
+            <a:picLocks noChangeAspect="1"/>
+          </p:cNvPicPr>
+          <p:nvPr/>
+        </p:nvPicPr>
+        <p:blipFill>
+          <a:blip r:embed="rId3"/>
+          <a:stretch>
+            <a:fillRect/>
+          </a:stretch>
+        </p:blipFill>
+        <p:spPr>
+          <a:xfrm>
+            <a:off x="1530402" y="1325448"/>
+            <a:ext cx="6553200" cy="2952750"/>
+          </a:xfrm>
+          <a:prstGeom prst="rect">
+            <a:avLst/>
+          </a:prstGeom>
+          <a:ln>
+            <a:solidFill>
+              <a:srgbClr val="C00000"/>
+            </a:solidFill>
+          </a:ln>
+        </p:spPr>
+      </p:pic>
+    </p:spTree>
+    <p:extLst>
+      <p:ext uri="{BB962C8B-B14F-4D97-AF65-F5344CB8AC3E}">
+        <p14:creationId xmlns:p14="http://schemas.microsoft.com/office/powerpoint/2010/main" val="3026988629"/>
+      </p:ext>
+    </p:extLst>
+  </p:cSld>
+  <p:clrMapOvr>
+    <a:masterClrMapping/>
+  </p:clrMapOvr>
+</p:sld>
+</file>
+
+<file path=ppt/slides/slide53.xml><?xml version="1.0" encoding="utf-8"?>
+<p:sld xmlns:a="http://schemas.openxmlformats.org/drawingml/2006/main" xmlns:r="http://schemas.openxmlformats.org/officeDocument/2006/relationships" xmlns:p="http://schemas.openxmlformats.org/presentationml/2006/main">
+  <p:cSld>
+    <p:spTree>
+      <p:nvGrpSpPr>
+        <p:cNvPr id="1" name=""/>
+        <p:cNvGrpSpPr/>
+        <p:nvPr/>
+      </p:nvGrpSpPr>
+      <p:grpSpPr>
+        <a:xfrm>
+          <a:off x="0" y="0"/>
+          <a:ext cx="0" cy="0"/>
+          <a:chOff x="0" y="0"/>
+          <a:chExt cx="0" cy="0"/>
+        </a:xfrm>
+      </p:grpSpPr>
+      <p:sp>
+        <p:nvSpPr>
+          <p:cNvPr id="2" name="標題 1"/>
+          <p:cNvSpPr>
+            <a:spLocks noGrp="1"/>
+          </p:cNvSpPr>
+          <p:nvPr>
+            <p:ph type="ctrTitle"/>
+          </p:nvPr>
+        </p:nvSpPr>
+        <p:spPr>
+          <a:xfrm>
+            <a:off x="0" y="1"/>
+            <a:ext cx="9144000" cy="764704"/>
+          </a:xfrm>
+          <a:gradFill flip="none" rotWithShape="1">
+            <a:gsLst>
+              <a:gs pos="0">
+                <a:srgbClr val="C00000">
+                  <a:shade val="30000"/>
+                  <a:satMod val="115000"/>
+                </a:srgbClr>
+              </a:gs>
+              <a:gs pos="50000">
+                <a:srgbClr val="C00000">
+                  <a:shade val="67500"/>
+                  <a:satMod val="115000"/>
+                </a:srgbClr>
+              </a:gs>
+              <a:gs pos="100000">
+                <a:srgbClr val="C00000">
+                  <a:shade val="100000"/>
+                  <a:satMod val="115000"/>
+                </a:srgbClr>
+              </a:gs>
+            </a:gsLst>
+            <a:path path="circle">
+              <a:fillToRect t="100000" r="100000"/>
+            </a:path>
+            <a:tileRect l="-100000" b="-100000"/>
+          </a:gradFill>
+        </p:spPr>
+        <p:txBody>
+          <a:bodyPr>
+            <a:normAutofit/>
+          </a:bodyPr>
+          <a:lstStyle/>
+          <a:p>
+            <a:pPr algn="l"/>
+            <a:r>
+              <a:rPr lang="en-US" altLang="zh-TW" b="1" dirty="0">
+                <a:solidFill>
+                  <a:srgbClr val="FFFF00"/>
+                </a:solidFill>
+              </a:rPr>
+              <a:t>19.10 Quiz</a:t>
+            </a:r>
+            <a:endParaRPr lang="zh-TW" altLang="en-US" b="1" dirty="0">
+              <a:solidFill>
+                <a:srgbClr val="FFFF00"/>
+              </a:solidFill>
+            </a:endParaRPr>
+          </a:p>
+        </p:txBody>
+      </p:sp>
+      <p:sp>
+        <p:nvSpPr>
+          <p:cNvPr id="3" name="副標題 2"/>
+          <p:cNvSpPr>
+            <a:spLocks noGrp="1"/>
+          </p:cNvSpPr>
+          <p:nvPr>
+            <p:ph type="subTitle" idx="1"/>
+          </p:nvPr>
+        </p:nvSpPr>
+        <p:spPr>
+          <a:xfrm>
+            <a:off x="457200" y="1325448"/>
+            <a:ext cx="1018456" cy="360041"/>
+          </a:xfrm>
+          <a:ln>
+            <a:solidFill>
+              <a:srgbClr val="C00000"/>
+            </a:solidFill>
+          </a:ln>
+        </p:spPr>
+        <p:txBody>
+          <a:bodyPr>
+            <a:noAutofit/>
+          </a:bodyPr>
+          <a:lstStyle/>
+          <a:p>
+            <a:pPr marL="342900" indent="-342900" algn="l">
+              <a:buClr>
+                <a:srgbClr val="0070C0"/>
+              </a:buClr>
+              <a:buSzPct val="80000"/>
+              <a:buFont typeface="Wingdings" pitchFamily="2" charset="2"/>
+              <a:buChar char="u"/>
+            </a:pPr>
+            <a:r>
+              <a:rPr lang="en-US" sz="1800" b="1" dirty="0">
+                <a:solidFill>
+                  <a:schemeClr val="tx1"/>
+                </a:solidFill>
+              </a:rPr>
+              <a:t>Quiz</a:t>
+            </a:r>
+          </a:p>
+        </p:txBody>
+      </p:sp>
+      <p:sp>
+        <p:nvSpPr>
+          <p:cNvPr id="4" name="標題 1"/>
+          <p:cNvSpPr txBox="1">
+            <a:spLocks/>
+          </p:cNvSpPr>
+          <p:nvPr/>
+        </p:nvSpPr>
+        <p:spPr>
+          <a:xfrm>
+            <a:off x="0" y="764704"/>
+            <a:ext cx="9144000" cy="360040"/>
+          </a:xfrm>
+          <a:prstGeom prst="rect">
+            <a:avLst/>
+          </a:prstGeom>
+          <a:gradFill flip="none" rotWithShape="1">
+            <a:gsLst>
+              <a:gs pos="0">
+                <a:srgbClr val="00B0F0">
+                  <a:shade val="30000"/>
+                  <a:satMod val="115000"/>
+                </a:srgbClr>
+              </a:gs>
+              <a:gs pos="50000">
+                <a:srgbClr val="00B0F0">
+                  <a:shade val="67500"/>
+                  <a:satMod val="115000"/>
+                </a:srgbClr>
+              </a:gs>
+              <a:gs pos="100000">
+                <a:srgbClr val="00B0F0">
+                  <a:shade val="100000"/>
+                  <a:satMod val="115000"/>
+                </a:srgbClr>
+              </a:gs>
+            </a:gsLst>
+            <a:path path="circle">
+              <a:fillToRect t="100000" r="100000"/>
+            </a:path>
+            <a:tileRect l="-100000" b="-100000"/>
+          </a:gradFill>
+        </p:spPr>
+        <p:txBody>
+          <a:bodyPr vert="horz" lIns="91440" tIns="45720" rIns="91440" bIns="45720" rtlCol="0" anchor="ctr">
+            <a:normAutofit/>
+          </a:bodyPr>
+          <a:lstStyle/>
+          <a:p>
+            <a:pPr lvl="0">
+              <a:spcBef>
+                <a:spcPct val="0"/>
+              </a:spcBef>
+            </a:pPr>
+            <a:r>
+              <a:rPr lang="en-US" sz="1600" dirty="0">
+                <a:hlinkClick r:id="rId2"/>
+              </a:rPr>
+              <a:t>https://www.youtube.com/watch?v=stWU37L91Yc&amp;list=PLZbbT5o_s2xrfNyHZsM6ufI0iZENK9xgG&amp;index=19</a:t>
+            </a:r>
+            <a:endParaRPr kumimoji="0" lang="zh-TW" altLang="en-US" sz="1600" b="0" i="0" u="none" strike="noStrike" kern="1200" cap="none" spc="0" normalizeH="0" baseline="0" noProof="0" dirty="0">
+              <a:ln>
+                <a:noFill/>
+              </a:ln>
+              <a:solidFill>
+                <a:schemeClr val="tx1"/>
+              </a:solidFill>
+              <a:effectLst/>
+              <a:uLnTx/>
+              <a:uFillTx/>
+              <a:latin typeface="+mj-lt"/>
+              <a:ea typeface="+mj-ea"/>
+              <a:cs typeface="+mj-cs"/>
+            </a:endParaRPr>
+          </a:p>
+        </p:txBody>
+      </p:sp>
+      <p:sp>
+        <p:nvSpPr>
+          <p:cNvPr id="5" name="日期版面配置區 4"/>
+          <p:cNvSpPr>
+            <a:spLocks noGrp="1"/>
+          </p:cNvSpPr>
+          <p:nvPr>
+            <p:ph type="dt" sz="half" idx="10"/>
+          </p:nvPr>
+        </p:nvSpPr>
+        <p:spPr/>
+        <p:txBody>
+          <a:bodyPr/>
+          <a:lstStyle/>
+          <a:p>
+            <a:fld id="{A4F910E6-8D00-4BAF-8C48-9688E0B449D3}" type="datetime1">
+              <a:rPr lang="zh-TW" altLang="en-US" smtClean="0"/>
+              <a:pPr/>
+              <a:t>2020/5/30</a:t>
+            </a:fld>
+            <a:endParaRPr lang="zh-TW" altLang="en-US"/>
+          </a:p>
+        </p:txBody>
+      </p:sp>
+      <p:sp>
+        <p:nvSpPr>
+          <p:cNvPr id="6" name="投影片編號版面配置區 5"/>
+          <p:cNvSpPr>
+            <a:spLocks noGrp="1"/>
+          </p:cNvSpPr>
+          <p:nvPr>
+            <p:ph type="sldNum" sz="quarter" idx="12"/>
+          </p:nvPr>
+        </p:nvSpPr>
+        <p:spPr/>
+        <p:txBody>
+          <a:bodyPr/>
+          <a:lstStyle/>
+          <a:p>
+            <a:fld id="{E4D7E63D-91F2-4366-A2C4-1B00C9E2590E}" type="slidenum">
+              <a:rPr lang="zh-TW" altLang="en-US" smtClean="0"/>
+              <a:pPr/>
+              <a:t>53</a:t>
+            </a:fld>
+            <a:endParaRPr lang="zh-TW" altLang="en-US"/>
+          </a:p>
+        </p:txBody>
+      </p:sp>
+      <p:pic>
+        <p:nvPicPr>
+          <p:cNvPr id="8" name="Picture 7">
+            <a:extLst>
+              <a:ext uri="{FF2B5EF4-FFF2-40B4-BE49-F238E27FC236}">
+                <a16:creationId xmlns:a16="http://schemas.microsoft.com/office/drawing/2014/main" id="{9EA32ABA-0B96-415A-9349-6061C686F862}"/>
+              </a:ext>
+            </a:extLst>
+          </p:cNvPr>
+          <p:cNvPicPr>
+            <a:picLocks noChangeAspect="1"/>
+          </p:cNvPicPr>
+          <p:nvPr/>
+        </p:nvPicPr>
+        <p:blipFill>
+          <a:blip r:embed="rId3"/>
+          <a:stretch>
+            <a:fillRect/>
+          </a:stretch>
+        </p:blipFill>
+        <p:spPr>
+          <a:xfrm>
+            <a:off x="1763688" y="1325448"/>
+            <a:ext cx="6819900" cy="3438525"/>
+          </a:xfrm>
+          <a:prstGeom prst="rect">
+            <a:avLst/>
+          </a:prstGeom>
+          <a:ln>
+            <a:solidFill>
+              <a:srgbClr val="C00000"/>
+            </a:solidFill>
+          </a:ln>
+        </p:spPr>
+      </p:pic>
+    </p:spTree>
+    <p:extLst>
+      <p:ext uri="{BB962C8B-B14F-4D97-AF65-F5344CB8AC3E}">
+        <p14:creationId xmlns:p14="http://schemas.microsoft.com/office/powerpoint/2010/main" val="3004276434"/>
+      </p:ext>
+    </p:extLst>
+  </p:cSld>
+  <p:clrMapOvr>
+    <a:masterClrMapping/>
+  </p:clrMapOvr>
+</p:sld>
+</file>
+
+<file path=ppt/slides/slide54.xml><?xml version="1.0" encoding="utf-8"?>
+<p:sld xmlns:a="http://schemas.openxmlformats.org/drawingml/2006/main" xmlns:r="http://schemas.openxmlformats.org/officeDocument/2006/relationships" xmlns:p="http://schemas.openxmlformats.org/presentationml/2006/main">
+  <p:cSld>
+    <p:spTree>
+      <p:nvGrpSpPr>
+        <p:cNvPr id="1" name=""/>
+        <p:cNvGrpSpPr/>
+        <p:nvPr/>
+      </p:nvGrpSpPr>
+      <p:grpSpPr>
+        <a:xfrm>
+          <a:off x="0" y="0"/>
+          <a:ext cx="0" cy="0"/>
+          <a:chOff x="0" y="0"/>
+          <a:chExt cx="0" cy="0"/>
+        </a:xfrm>
+      </p:grpSpPr>
+      <p:sp>
+        <p:nvSpPr>
+          <p:cNvPr id="2" name="標題 1"/>
+          <p:cNvSpPr>
+            <a:spLocks noGrp="1"/>
+          </p:cNvSpPr>
+          <p:nvPr>
+            <p:ph type="ctrTitle"/>
+          </p:nvPr>
+        </p:nvSpPr>
+        <p:spPr>
+          <a:xfrm>
+            <a:off x="0" y="1"/>
+            <a:ext cx="9144000" cy="764704"/>
+          </a:xfrm>
+          <a:gradFill flip="none" rotWithShape="1">
+            <a:gsLst>
+              <a:gs pos="0">
+                <a:srgbClr val="C00000">
+                  <a:shade val="30000"/>
+                  <a:satMod val="115000"/>
+                </a:srgbClr>
+              </a:gs>
+              <a:gs pos="50000">
+                <a:srgbClr val="C00000">
+                  <a:shade val="67500"/>
+                  <a:satMod val="115000"/>
+                </a:srgbClr>
+              </a:gs>
+              <a:gs pos="100000">
+                <a:srgbClr val="C00000">
+                  <a:shade val="100000"/>
+                  <a:satMod val="115000"/>
+                </a:srgbClr>
+              </a:gs>
+            </a:gsLst>
+            <a:path path="circle">
+              <a:fillToRect t="100000" r="100000"/>
+            </a:path>
+            <a:tileRect l="-100000" b="-100000"/>
+          </a:gradFill>
+        </p:spPr>
+        <p:txBody>
+          <a:bodyPr>
+            <a:normAutofit/>
+          </a:bodyPr>
+          <a:lstStyle/>
+          <a:p>
+            <a:pPr algn="l"/>
+            <a:r>
+              <a:rPr lang="en-US" altLang="zh-TW" b="1" dirty="0">
+                <a:solidFill>
+                  <a:srgbClr val="FFFF00"/>
+                </a:solidFill>
+              </a:rPr>
+              <a:t>19.10 Quiz</a:t>
+            </a:r>
+            <a:endParaRPr lang="zh-TW" altLang="en-US" b="1" dirty="0">
+              <a:solidFill>
+                <a:srgbClr val="FFFF00"/>
+              </a:solidFill>
+            </a:endParaRPr>
+          </a:p>
+        </p:txBody>
+      </p:sp>
+      <p:sp>
+        <p:nvSpPr>
+          <p:cNvPr id="3" name="副標題 2"/>
+          <p:cNvSpPr>
+            <a:spLocks noGrp="1"/>
+          </p:cNvSpPr>
+          <p:nvPr>
+            <p:ph type="subTitle" idx="1"/>
+          </p:nvPr>
+        </p:nvSpPr>
+        <p:spPr>
+          <a:xfrm>
+            <a:off x="457200" y="1325448"/>
+            <a:ext cx="1018456" cy="360041"/>
+          </a:xfrm>
+          <a:ln>
+            <a:solidFill>
+              <a:srgbClr val="C00000"/>
+            </a:solidFill>
+          </a:ln>
+        </p:spPr>
+        <p:txBody>
+          <a:bodyPr>
+            <a:noAutofit/>
+          </a:bodyPr>
+          <a:lstStyle/>
+          <a:p>
+            <a:pPr marL="342900" indent="-342900" algn="l">
+              <a:buClr>
+                <a:srgbClr val="0070C0"/>
+              </a:buClr>
+              <a:buSzPct val="80000"/>
+              <a:buFont typeface="Wingdings" pitchFamily="2" charset="2"/>
+              <a:buChar char="u"/>
+            </a:pPr>
+            <a:r>
+              <a:rPr lang="en-US" sz="1800" b="1" dirty="0">
+                <a:solidFill>
+                  <a:schemeClr val="tx1"/>
+                </a:solidFill>
+              </a:rPr>
+              <a:t>Quiz</a:t>
+            </a:r>
+          </a:p>
+        </p:txBody>
+      </p:sp>
+      <p:sp>
+        <p:nvSpPr>
+          <p:cNvPr id="4" name="標題 1"/>
+          <p:cNvSpPr txBox="1">
+            <a:spLocks/>
+          </p:cNvSpPr>
+          <p:nvPr/>
+        </p:nvSpPr>
+        <p:spPr>
+          <a:xfrm>
+            <a:off x="0" y="764704"/>
+            <a:ext cx="9144000" cy="360040"/>
+          </a:xfrm>
+          <a:prstGeom prst="rect">
+            <a:avLst/>
+          </a:prstGeom>
+          <a:gradFill flip="none" rotWithShape="1">
+            <a:gsLst>
+              <a:gs pos="0">
+                <a:srgbClr val="00B0F0">
+                  <a:shade val="30000"/>
+                  <a:satMod val="115000"/>
+                </a:srgbClr>
+              </a:gs>
+              <a:gs pos="50000">
+                <a:srgbClr val="00B0F0">
+                  <a:shade val="67500"/>
+                  <a:satMod val="115000"/>
+                </a:srgbClr>
+              </a:gs>
+              <a:gs pos="100000">
+                <a:srgbClr val="00B0F0">
+                  <a:shade val="100000"/>
+                  <a:satMod val="115000"/>
+                </a:srgbClr>
+              </a:gs>
+            </a:gsLst>
+            <a:path path="circle">
+              <a:fillToRect t="100000" r="100000"/>
+            </a:path>
+            <a:tileRect l="-100000" b="-100000"/>
+          </a:gradFill>
+        </p:spPr>
+        <p:txBody>
+          <a:bodyPr vert="horz" lIns="91440" tIns="45720" rIns="91440" bIns="45720" rtlCol="0" anchor="ctr">
+            <a:normAutofit/>
+          </a:bodyPr>
+          <a:lstStyle/>
+          <a:p>
+            <a:pPr lvl="0">
+              <a:spcBef>
+                <a:spcPct val="0"/>
+              </a:spcBef>
+            </a:pPr>
+            <a:r>
+              <a:rPr lang="en-US" sz="1600" dirty="0">
+                <a:hlinkClick r:id="rId2"/>
+              </a:rPr>
+              <a:t>https://www.youtube.com/watch?v=stWU37L91Yc&amp;list=PLZbbT5o_s2xrfNyHZsM6ufI0iZENK9xgG&amp;index=19</a:t>
+            </a:r>
+            <a:endParaRPr kumimoji="0" lang="zh-TW" altLang="en-US" sz="1600" b="0" i="0" u="none" strike="noStrike" kern="1200" cap="none" spc="0" normalizeH="0" baseline="0" noProof="0" dirty="0">
+              <a:ln>
+                <a:noFill/>
+              </a:ln>
+              <a:solidFill>
+                <a:schemeClr val="tx1"/>
+              </a:solidFill>
+              <a:effectLst/>
+              <a:uLnTx/>
+              <a:uFillTx/>
+              <a:latin typeface="+mj-lt"/>
+              <a:ea typeface="+mj-ea"/>
+              <a:cs typeface="+mj-cs"/>
+            </a:endParaRPr>
+          </a:p>
+        </p:txBody>
+      </p:sp>
+      <p:sp>
+        <p:nvSpPr>
+          <p:cNvPr id="5" name="日期版面配置區 4"/>
+          <p:cNvSpPr>
+            <a:spLocks noGrp="1"/>
+          </p:cNvSpPr>
+          <p:nvPr>
+            <p:ph type="dt" sz="half" idx="10"/>
+          </p:nvPr>
+        </p:nvSpPr>
+        <p:spPr/>
+        <p:txBody>
+          <a:bodyPr/>
+          <a:lstStyle/>
+          <a:p>
+            <a:fld id="{A4F910E6-8D00-4BAF-8C48-9688E0B449D3}" type="datetime1">
+              <a:rPr lang="zh-TW" altLang="en-US" smtClean="0"/>
+              <a:pPr/>
+              <a:t>2020/5/30</a:t>
+            </a:fld>
+            <a:endParaRPr lang="zh-TW" altLang="en-US"/>
+          </a:p>
+        </p:txBody>
+      </p:sp>
+      <p:sp>
+        <p:nvSpPr>
+          <p:cNvPr id="6" name="投影片編號版面配置區 5"/>
+          <p:cNvSpPr>
+            <a:spLocks noGrp="1"/>
+          </p:cNvSpPr>
+          <p:nvPr>
+            <p:ph type="sldNum" sz="quarter" idx="12"/>
+          </p:nvPr>
+        </p:nvSpPr>
+        <p:spPr/>
+        <p:txBody>
+          <a:bodyPr/>
+          <a:lstStyle/>
+          <a:p>
+            <a:fld id="{E4D7E63D-91F2-4366-A2C4-1B00C9E2590E}" type="slidenum">
+              <a:rPr lang="zh-TW" altLang="en-US" smtClean="0"/>
+              <a:pPr/>
+              <a:t>54</a:t>
+            </a:fld>
+            <a:endParaRPr lang="zh-TW" altLang="en-US"/>
+          </a:p>
+        </p:txBody>
+      </p:sp>
+      <p:pic>
+        <p:nvPicPr>
+          <p:cNvPr id="7" name="Picture 6">
+            <a:extLst>
+              <a:ext uri="{FF2B5EF4-FFF2-40B4-BE49-F238E27FC236}">
+                <a16:creationId xmlns:a16="http://schemas.microsoft.com/office/drawing/2014/main" id="{496F006F-5CE8-4FAE-B9DC-DD89009721F6}"/>
+              </a:ext>
+            </a:extLst>
+          </p:cNvPr>
+          <p:cNvPicPr>
+            <a:picLocks noChangeAspect="1"/>
+          </p:cNvPicPr>
+          <p:nvPr/>
+        </p:nvPicPr>
+        <p:blipFill>
+          <a:blip r:embed="rId3"/>
+          <a:stretch>
+            <a:fillRect/>
+          </a:stretch>
+        </p:blipFill>
+        <p:spPr>
+          <a:xfrm>
+            <a:off x="1524000" y="1325448"/>
+            <a:ext cx="6934200" cy="3886200"/>
+          </a:xfrm>
+          <a:prstGeom prst="rect">
+            <a:avLst/>
+          </a:prstGeom>
+          <a:ln>
+            <a:solidFill>
+              <a:srgbClr val="C00000"/>
+            </a:solidFill>
+          </a:ln>
+        </p:spPr>
+      </p:pic>
+    </p:spTree>
+    <p:extLst>
+      <p:ext uri="{BB962C8B-B14F-4D97-AF65-F5344CB8AC3E}">
+        <p14:creationId xmlns:p14="http://schemas.microsoft.com/office/powerpoint/2010/main" val="810988671"/>
+      </p:ext>
+    </p:extLst>
+  </p:cSld>
+  <p:clrMapOvr>
+    <a:masterClrMapping/>
+  </p:clrMapOvr>
+</p:sld>
+</file>
+
+<file path=ppt/slides/slide55.xml><?xml version="1.0" encoding="utf-8"?>
+<p:sld xmlns:a="http://schemas.openxmlformats.org/drawingml/2006/main" xmlns:r="http://schemas.openxmlformats.org/officeDocument/2006/relationships" xmlns:p="http://schemas.openxmlformats.org/presentationml/2006/main">
+  <p:cSld>
+    <p:spTree>
+      <p:nvGrpSpPr>
+        <p:cNvPr id="1" name=""/>
+        <p:cNvGrpSpPr/>
+        <p:nvPr/>
+      </p:nvGrpSpPr>
+      <p:grpSpPr>
+        <a:xfrm>
+          <a:off x="0" y="0"/>
+          <a:ext cx="0" cy="0"/>
+          <a:chOff x="0" y="0"/>
+          <a:chExt cx="0" cy="0"/>
+        </a:xfrm>
+      </p:grpSpPr>
+      <p:sp>
+        <p:nvSpPr>
+          <p:cNvPr id="2" name="標題 1"/>
+          <p:cNvSpPr>
+            <a:spLocks noGrp="1"/>
+          </p:cNvSpPr>
+          <p:nvPr>
+            <p:ph type="ctrTitle"/>
+          </p:nvPr>
+        </p:nvSpPr>
+        <p:spPr>
+          <a:xfrm>
+            <a:off x="0" y="1"/>
+            <a:ext cx="9144000" cy="764704"/>
+          </a:xfrm>
+          <a:gradFill flip="none" rotWithShape="1">
+            <a:gsLst>
+              <a:gs pos="0">
+                <a:srgbClr val="C00000">
+                  <a:shade val="30000"/>
+                  <a:satMod val="115000"/>
+                </a:srgbClr>
+              </a:gs>
+              <a:gs pos="50000">
+                <a:srgbClr val="C00000">
+                  <a:shade val="67500"/>
+                  <a:satMod val="115000"/>
+                </a:srgbClr>
+              </a:gs>
+              <a:gs pos="100000">
+                <a:srgbClr val="C00000">
+                  <a:shade val="100000"/>
+                  <a:satMod val="115000"/>
+                </a:srgbClr>
+              </a:gs>
+            </a:gsLst>
+            <a:path path="circle">
+              <a:fillToRect t="100000" r="100000"/>
+            </a:path>
+            <a:tileRect l="-100000" b="-100000"/>
+          </a:gradFill>
+        </p:spPr>
+        <p:txBody>
+          <a:bodyPr>
+            <a:normAutofit/>
+          </a:bodyPr>
+          <a:lstStyle/>
+          <a:p>
+            <a:pPr algn="l"/>
+            <a:r>
+              <a:rPr lang="en-US" altLang="zh-TW" b="1" dirty="0">
+                <a:solidFill>
+                  <a:srgbClr val="FFFF00"/>
+                </a:solidFill>
+              </a:rPr>
+              <a:t>19.10 Quiz</a:t>
+            </a:r>
+            <a:endParaRPr lang="zh-TW" altLang="en-US" b="1" dirty="0">
+              <a:solidFill>
+                <a:srgbClr val="FFFF00"/>
+              </a:solidFill>
+            </a:endParaRPr>
+          </a:p>
+        </p:txBody>
+      </p:sp>
+      <p:sp>
+        <p:nvSpPr>
+          <p:cNvPr id="3" name="副標題 2"/>
+          <p:cNvSpPr>
+            <a:spLocks noGrp="1"/>
+          </p:cNvSpPr>
+          <p:nvPr>
+            <p:ph type="subTitle" idx="1"/>
+          </p:nvPr>
+        </p:nvSpPr>
+        <p:spPr>
+          <a:xfrm>
+            <a:off x="457200" y="1325448"/>
+            <a:ext cx="1018456" cy="360041"/>
+          </a:xfrm>
+          <a:ln>
+            <a:solidFill>
+              <a:srgbClr val="C00000"/>
+            </a:solidFill>
+          </a:ln>
+        </p:spPr>
+        <p:txBody>
+          <a:bodyPr>
+            <a:noAutofit/>
+          </a:bodyPr>
+          <a:lstStyle/>
+          <a:p>
+            <a:pPr marL="342900" indent="-342900" algn="l">
+              <a:buClr>
+                <a:srgbClr val="0070C0"/>
+              </a:buClr>
+              <a:buSzPct val="80000"/>
+              <a:buFont typeface="Wingdings" pitchFamily="2" charset="2"/>
+              <a:buChar char="u"/>
+            </a:pPr>
+            <a:r>
+              <a:rPr lang="en-US" sz="1800" b="1" dirty="0">
+                <a:solidFill>
+                  <a:schemeClr val="tx1"/>
+                </a:solidFill>
+              </a:rPr>
+              <a:t>Quiz</a:t>
+            </a:r>
+          </a:p>
+        </p:txBody>
+      </p:sp>
+      <p:sp>
+        <p:nvSpPr>
+          <p:cNvPr id="4" name="標題 1"/>
+          <p:cNvSpPr txBox="1">
+            <a:spLocks/>
+          </p:cNvSpPr>
+          <p:nvPr/>
+        </p:nvSpPr>
+        <p:spPr>
+          <a:xfrm>
+            <a:off x="0" y="764704"/>
+            <a:ext cx="9144000" cy="360040"/>
+          </a:xfrm>
+          <a:prstGeom prst="rect">
+            <a:avLst/>
+          </a:prstGeom>
+          <a:gradFill flip="none" rotWithShape="1">
+            <a:gsLst>
+              <a:gs pos="0">
+                <a:srgbClr val="00B0F0">
+                  <a:shade val="30000"/>
+                  <a:satMod val="115000"/>
+                </a:srgbClr>
+              </a:gs>
+              <a:gs pos="50000">
+                <a:srgbClr val="00B0F0">
+                  <a:shade val="67500"/>
+                  <a:satMod val="115000"/>
+                </a:srgbClr>
+              </a:gs>
+              <a:gs pos="100000">
+                <a:srgbClr val="00B0F0">
+                  <a:shade val="100000"/>
+                  <a:satMod val="115000"/>
+                </a:srgbClr>
+              </a:gs>
+            </a:gsLst>
+            <a:path path="circle">
+              <a:fillToRect t="100000" r="100000"/>
+            </a:path>
+            <a:tileRect l="-100000" b="-100000"/>
+          </a:gradFill>
+        </p:spPr>
+        <p:txBody>
+          <a:bodyPr vert="horz" lIns="91440" tIns="45720" rIns="91440" bIns="45720" rtlCol="0" anchor="ctr">
+            <a:normAutofit/>
+          </a:bodyPr>
+          <a:lstStyle/>
+          <a:p>
+            <a:pPr lvl="0">
+              <a:spcBef>
+                <a:spcPct val="0"/>
+              </a:spcBef>
+            </a:pPr>
+            <a:r>
+              <a:rPr lang="en-US" sz="1600" dirty="0">
+                <a:hlinkClick r:id="rId2"/>
+              </a:rPr>
+              <a:t>https://www.youtube.com/watch?v=stWU37L91Yc&amp;list=PLZbbT5o_s2xrfNyHZsM6ufI0iZENK9xgG&amp;index=19</a:t>
+            </a:r>
+            <a:endParaRPr kumimoji="0" lang="zh-TW" altLang="en-US" sz="1600" b="0" i="0" u="none" strike="noStrike" kern="1200" cap="none" spc="0" normalizeH="0" baseline="0" noProof="0" dirty="0">
+              <a:ln>
+                <a:noFill/>
+              </a:ln>
+              <a:solidFill>
+                <a:schemeClr val="tx1"/>
+              </a:solidFill>
+              <a:effectLst/>
+              <a:uLnTx/>
+              <a:uFillTx/>
+              <a:latin typeface="+mj-lt"/>
+              <a:ea typeface="+mj-ea"/>
+              <a:cs typeface="+mj-cs"/>
+            </a:endParaRPr>
+          </a:p>
+        </p:txBody>
+      </p:sp>
+      <p:sp>
+        <p:nvSpPr>
+          <p:cNvPr id="5" name="日期版面配置區 4"/>
+          <p:cNvSpPr>
+            <a:spLocks noGrp="1"/>
+          </p:cNvSpPr>
+          <p:nvPr>
+            <p:ph type="dt" sz="half" idx="10"/>
+          </p:nvPr>
+        </p:nvSpPr>
+        <p:spPr/>
+        <p:txBody>
+          <a:bodyPr/>
+          <a:lstStyle/>
+          <a:p>
+            <a:fld id="{A4F910E6-8D00-4BAF-8C48-9688E0B449D3}" type="datetime1">
+              <a:rPr lang="zh-TW" altLang="en-US" smtClean="0"/>
+              <a:pPr/>
+              <a:t>2020/5/30</a:t>
+            </a:fld>
+            <a:endParaRPr lang="zh-TW" altLang="en-US"/>
+          </a:p>
+        </p:txBody>
+      </p:sp>
+      <p:sp>
+        <p:nvSpPr>
+          <p:cNvPr id="6" name="投影片編號版面配置區 5"/>
+          <p:cNvSpPr>
+            <a:spLocks noGrp="1"/>
+          </p:cNvSpPr>
+          <p:nvPr>
+            <p:ph type="sldNum" sz="quarter" idx="12"/>
+          </p:nvPr>
+        </p:nvSpPr>
+        <p:spPr/>
+        <p:txBody>
+          <a:bodyPr/>
+          <a:lstStyle/>
+          <a:p>
+            <a:fld id="{E4D7E63D-91F2-4366-A2C4-1B00C9E2590E}" type="slidenum">
+              <a:rPr lang="zh-TW" altLang="en-US" smtClean="0"/>
+              <a:pPr/>
+              <a:t>55</a:t>
+            </a:fld>
+            <a:endParaRPr lang="zh-TW" altLang="en-US"/>
+          </a:p>
+        </p:txBody>
+      </p:sp>
+      <p:pic>
+        <p:nvPicPr>
+          <p:cNvPr id="8" name="Picture 7">
+            <a:extLst>
+              <a:ext uri="{FF2B5EF4-FFF2-40B4-BE49-F238E27FC236}">
+                <a16:creationId xmlns:a16="http://schemas.microsoft.com/office/drawing/2014/main" id="{4B75EE1A-7C62-463F-A792-00E975D1FF4F}"/>
+              </a:ext>
+            </a:extLst>
+          </p:cNvPr>
+          <p:cNvPicPr>
+            <a:picLocks noChangeAspect="1"/>
+          </p:cNvPicPr>
+          <p:nvPr/>
+        </p:nvPicPr>
+        <p:blipFill>
+          <a:blip r:embed="rId3"/>
+          <a:stretch>
+            <a:fillRect/>
+          </a:stretch>
+        </p:blipFill>
+        <p:spPr>
+          <a:xfrm>
+            <a:off x="1691680" y="1298441"/>
+            <a:ext cx="6667500" cy="3086100"/>
+          </a:xfrm>
+          <a:prstGeom prst="rect">
+            <a:avLst/>
+          </a:prstGeom>
+          <a:ln>
+            <a:solidFill>
+              <a:srgbClr val="C00000"/>
+            </a:solidFill>
+          </a:ln>
+        </p:spPr>
+      </p:pic>
+    </p:spTree>
+    <p:extLst>
+      <p:ext uri="{BB962C8B-B14F-4D97-AF65-F5344CB8AC3E}">
+        <p14:creationId xmlns:p14="http://schemas.microsoft.com/office/powerpoint/2010/main" val="2941533634"/>
+      </p:ext>
+    </p:extLst>
+  </p:cSld>
+  <p:clrMapOvr>
+    <a:masterClrMapping/>
+  </p:clrMapOvr>
+</p:sld>
+</file>
+
+<file path=ppt/slides/slide56.xml><?xml version="1.0" encoding="utf-8"?>
+<p:sld xmlns:a="http://schemas.openxmlformats.org/drawingml/2006/main" xmlns:r="http://schemas.openxmlformats.org/officeDocument/2006/relationships" xmlns:p="http://schemas.openxmlformats.org/presentationml/2006/main">
+  <p:cSld>
+    <p:spTree>
+      <p:nvGrpSpPr>
+        <p:cNvPr id="1" name=""/>
+        <p:cNvGrpSpPr/>
+        <p:nvPr/>
+      </p:nvGrpSpPr>
+      <p:grpSpPr>
+        <a:xfrm>
+          <a:off x="0" y="0"/>
+          <a:ext cx="0" cy="0"/>
+          <a:chOff x="0" y="0"/>
+          <a:chExt cx="0" cy="0"/>
+        </a:xfrm>
+      </p:grpSpPr>
+      <p:sp>
+        <p:nvSpPr>
+          <p:cNvPr id="2" name="標題 1"/>
+          <p:cNvSpPr>
+            <a:spLocks noGrp="1"/>
+          </p:cNvSpPr>
+          <p:nvPr>
+            <p:ph type="ctrTitle"/>
+          </p:nvPr>
+        </p:nvSpPr>
+        <p:spPr>
+          <a:xfrm>
+            <a:off x="0" y="1"/>
+            <a:ext cx="9144000" cy="764704"/>
+          </a:xfrm>
+          <a:gradFill flip="none" rotWithShape="1">
+            <a:gsLst>
+              <a:gs pos="0">
+                <a:srgbClr val="C00000">
+                  <a:shade val="30000"/>
+                  <a:satMod val="115000"/>
+                </a:srgbClr>
+              </a:gs>
+              <a:gs pos="50000">
+                <a:srgbClr val="C00000">
+                  <a:shade val="67500"/>
+                  <a:satMod val="115000"/>
+                </a:srgbClr>
+              </a:gs>
+              <a:gs pos="100000">
+                <a:srgbClr val="C00000">
+                  <a:shade val="100000"/>
+                  <a:satMod val="115000"/>
+                </a:srgbClr>
+              </a:gs>
+            </a:gsLst>
+            <a:path path="circle">
+              <a:fillToRect t="100000" r="100000"/>
+            </a:path>
+            <a:tileRect l="-100000" b="-100000"/>
+          </a:gradFill>
+        </p:spPr>
+        <p:txBody>
+          <a:bodyPr>
+            <a:normAutofit/>
+          </a:bodyPr>
+          <a:lstStyle/>
+          <a:p>
+            <a:pPr algn="l"/>
+            <a:r>
+              <a:rPr lang="en-US" altLang="zh-TW" b="1" dirty="0">
+                <a:solidFill>
+                  <a:srgbClr val="FFFF00"/>
+                </a:solidFill>
+              </a:rPr>
+              <a:t>19.10 Quiz</a:t>
+            </a:r>
+            <a:endParaRPr lang="zh-TW" altLang="en-US" b="1" dirty="0">
+              <a:solidFill>
+                <a:srgbClr val="FFFF00"/>
+              </a:solidFill>
+            </a:endParaRPr>
+          </a:p>
+        </p:txBody>
+      </p:sp>
+      <p:sp>
+        <p:nvSpPr>
+          <p:cNvPr id="3" name="副標題 2"/>
+          <p:cNvSpPr>
+            <a:spLocks noGrp="1"/>
+          </p:cNvSpPr>
+          <p:nvPr>
+            <p:ph type="subTitle" idx="1"/>
+          </p:nvPr>
+        </p:nvSpPr>
+        <p:spPr>
+          <a:xfrm>
+            <a:off x="457200" y="1325448"/>
+            <a:ext cx="1018456" cy="360041"/>
+          </a:xfrm>
+          <a:ln>
+            <a:solidFill>
+              <a:srgbClr val="C00000"/>
+            </a:solidFill>
+          </a:ln>
+        </p:spPr>
+        <p:txBody>
+          <a:bodyPr>
+            <a:noAutofit/>
+          </a:bodyPr>
+          <a:lstStyle/>
+          <a:p>
+            <a:pPr marL="342900" indent="-342900" algn="l">
+              <a:buClr>
+                <a:srgbClr val="0070C0"/>
+              </a:buClr>
+              <a:buSzPct val="80000"/>
+              <a:buFont typeface="Wingdings" pitchFamily="2" charset="2"/>
+              <a:buChar char="u"/>
+            </a:pPr>
+            <a:r>
+              <a:rPr lang="en-US" sz="1800" b="1" dirty="0">
+                <a:solidFill>
+                  <a:schemeClr val="tx1"/>
+                </a:solidFill>
+              </a:rPr>
+              <a:t>Quiz</a:t>
+            </a:r>
+          </a:p>
+        </p:txBody>
+      </p:sp>
+      <p:sp>
+        <p:nvSpPr>
+          <p:cNvPr id="4" name="標題 1"/>
+          <p:cNvSpPr txBox="1">
+            <a:spLocks/>
+          </p:cNvSpPr>
+          <p:nvPr/>
+        </p:nvSpPr>
+        <p:spPr>
+          <a:xfrm>
+            <a:off x="0" y="764704"/>
+            <a:ext cx="9144000" cy="360040"/>
+          </a:xfrm>
+          <a:prstGeom prst="rect">
+            <a:avLst/>
+          </a:prstGeom>
+          <a:gradFill flip="none" rotWithShape="1">
+            <a:gsLst>
+              <a:gs pos="0">
+                <a:srgbClr val="00B0F0">
+                  <a:shade val="30000"/>
+                  <a:satMod val="115000"/>
+                </a:srgbClr>
+              </a:gs>
+              <a:gs pos="50000">
+                <a:srgbClr val="00B0F0">
+                  <a:shade val="67500"/>
+                  <a:satMod val="115000"/>
+                </a:srgbClr>
+              </a:gs>
+              <a:gs pos="100000">
+                <a:srgbClr val="00B0F0">
+                  <a:shade val="100000"/>
+                  <a:satMod val="115000"/>
+                </a:srgbClr>
+              </a:gs>
+            </a:gsLst>
+            <a:path path="circle">
+              <a:fillToRect t="100000" r="100000"/>
+            </a:path>
+            <a:tileRect l="-100000" b="-100000"/>
+          </a:gradFill>
+        </p:spPr>
+        <p:txBody>
+          <a:bodyPr vert="horz" lIns="91440" tIns="45720" rIns="91440" bIns="45720" rtlCol="0" anchor="ctr">
+            <a:normAutofit/>
+          </a:bodyPr>
+          <a:lstStyle/>
+          <a:p>
+            <a:pPr lvl="0">
+              <a:spcBef>
+                <a:spcPct val="0"/>
+              </a:spcBef>
+            </a:pPr>
+            <a:r>
+              <a:rPr lang="en-US" sz="1600" dirty="0">
+                <a:hlinkClick r:id="rId2"/>
+              </a:rPr>
+              <a:t>https://www.youtube.com/watch?v=stWU37L91Yc&amp;list=PLZbbT5o_s2xrfNyHZsM6ufI0iZENK9xgG&amp;index=19</a:t>
+            </a:r>
+            <a:endParaRPr kumimoji="0" lang="zh-TW" altLang="en-US" sz="1600" b="0" i="0" u="none" strike="noStrike" kern="1200" cap="none" spc="0" normalizeH="0" baseline="0" noProof="0" dirty="0">
+              <a:ln>
+                <a:noFill/>
+              </a:ln>
+              <a:solidFill>
+                <a:schemeClr val="tx1"/>
+              </a:solidFill>
+              <a:effectLst/>
+              <a:uLnTx/>
+              <a:uFillTx/>
+              <a:latin typeface="+mj-lt"/>
+              <a:ea typeface="+mj-ea"/>
+              <a:cs typeface="+mj-cs"/>
+            </a:endParaRPr>
+          </a:p>
+        </p:txBody>
+      </p:sp>
+      <p:sp>
+        <p:nvSpPr>
+          <p:cNvPr id="5" name="日期版面配置區 4"/>
+          <p:cNvSpPr>
+            <a:spLocks noGrp="1"/>
+          </p:cNvSpPr>
+          <p:nvPr>
+            <p:ph type="dt" sz="half" idx="10"/>
+          </p:nvPr>
+        </p:nvSpPr>
+        <p:spPr/>
+        <p:txBody>
+          <a:bodyPr/>
+          <a:lstStyle/>
+          <a:p>
+            <a:fld id="{A4F910E6-8D00-4BAF-8C48-9688E0B449D3}" type="datetime1">
+              <a:rPr lang="zh-TW" altLang="en-US" smtClean="0"/>
+              <a:pPr/>
+              <a:t>2020/5/30</a:t>
+            </a:fld>
+            <a:endParaRPr lang="zh-TW" altLang="en-US"/>
+          </a:p>
+        </p:txBody>
+      </p:sp>
+      <p:sp>
+        <p:nvSpPr>
+          <p:cNvPr id="6" name="投影片編號版面配置區 5"/>
+          <p:cNvSpPr>
+            <a:spLocks noGrp="1"/>
+          </p:cNvSpPr>
+          <p:nvPr>
+            <p:ph type="sldNum" sz="quarter" idx="12"/>
+          </p:nvPr>
+        </p:nvSpPr>
+        <p:spPr/>
+        <p:txBody>
+          <a:bodyPr/>
+          <a:lstStyle/>
+          <a:p>
+            <a:fld id="{E4D7E63D-91F2-4366-A2C4-1B00C9E2590E}" type="slidenum">
+              <a:rPr lang="zh-TW" altLang="en-US" smtClean="0"/>
+              <a:pPr/>
+              <a:t>56</a:t>
+            </a:fld>
+            <a:endParaRPr lang="zh-TW" altLang="en-US"/>
+          </a:p>
+        </p:txBody>
+      </p:sp>
+      <p:pic>
+        <p:nvPicPr>
+          <p:cNvPr id="8" name="Picture 7">
+            <a:extLst>
+              <a:ext uri="{FF2B5EF4-FFF2-40B4-BE49-F238E27FC236}">
+                <a16:creationId xmlns:a16="http://schemas.microsoft.com/office/drawing/2014/main" id="{4B75EE1A-7C62-463F-A792-00E975D1FF4F}"/>
+              </a:ext>
+            </a:extLst>
+          </p:cNvPr>
+          <p:cNvPicPr>
+            <a:picLocks noChangeAspect="1"/>
+          </p:cNvPicPr>
+          <p:nvPr/>
+        </p:nvPicPr>
+        <p:blipFill>
+          <a:blip r:embed="rId3"/>
+          <a:stretch>
+            <a:fillRect/>
+          </a:stretch>
+        </p:blipFill>
+        <p:spPr>
+          <a:xfrm>
+            <a:off x="1691680" y="1298441"/>
+            <a:ext cx="6667500" cy="3086100"/>
+          </a:xfrm>
+          <a:prstGeom prst="rect">
+            <a:avLst/>
+          </a:prstGeom>
+          <a:ln>
+            <a:solidFill>
+              <a:srgbClr val="C00000"/>
+            </a:solidFill>
+          </a:ln>
+        </p:spPr>
+      </p:pic>
+    </p:spTree>
+    <p:extLst>
+      <p:ext uri="{BB962C8B-B14F-4D97-AF65-F5344CB8AC3E}">
+        <p14:creationId xmlns:p14="http://schemas.microsoft.com/office/powerpoint/2010/main" val="3887173718"/>
+      </p:ext>
+    </p:extLst>
+  </p:cSld>
+  <p:clrMapOvr>
+    <a:masterClrMapping/>
+  </p:clrMapOvr>
+</p:sld>
+</file>
+
+<file path=ppt/slides/slide57.xml><?xml version="1.0" encoding="utf-8"?>
+<p:sld xmlns:a="http://schemas.openxmlformats.org/drawingml/2006/main" xmlns:r="http://schemas.openxmlformats.org/officeDocument/2006/relationships" xmlns:p="http://schemas.openxmlformats.org/presentationml/2006/main">
+  <p:cSld>
+    <p:spTree>
+      <p:nvGrpSpPr>
+        <p:cNvPr id="1" name=""/>
+        <p:cNvGrpSpPr/>
+        <p:nvPr/>
+      </p:nvGrpSpPr>
+      <p:grpSpPr>
+        <a:xfrm>
+          <a:off x="0" y="0"/>
+          <a:ext cx="0" cy="0"/>
+          <a:chOff x="0" y="0"/>
+          <a:chExt cx="0" cy="0"/>
+        </a:xfrm>
+      </p:grpSpPr>
+      <p:sp>
+        <p:nvSpPr>
+          <p:cNvPr id="2" name="標題 1"/>
+          <p:cNvSpPr>
+            <a:spLocks noGrp="1"/>
+          </p:cNvSpPr>
+          <p:nvPr>
+            <p:ph type="ctrTitle"/>
+          </p:nvPr>
+        </p:nvSpPr>
+        <p:spPr>
+          <a:xfrm>
+            <a:off x="0" y="1"/>
+            <a:ext cx="9144000" cy="764704"/>
+          </a:xfrm>
+          <a:gradFill flip="none" rotWithShape="1">
+            <a:gsLst>
+              <a:gs pos="0">
+                <a:srgbClr val="C00000">
+                  <a:shade val="30000"/>
+                  <a:satMod val="115000"/>
+                </a:srgbClr>
+              </a:gs>
+              <a:gs pos="50000">
+                <a:srgbClr val="C00000">
+                  <a:shade val="67500"/>
+                  <a:satMod val="115000"/>
+                </a:srgbClr>
+              </a:gs>
+              <a:gs pos="100000">
+                <a:srgbClr val="C00000">
+                  <a:shade val="100000"/>
+                  <a:satMod val="115000"/>
+                </a:srgbClr>
+              </a:gs>
+            </a:gsLst>
+            <a:path path="circle">
+              <a:fillToRect t="100000" r="100000"/>
+            </a:path>
+            <a:tileRect l="-100000" b="-100000"/>
+          </a:gradFill>
+        </p:spPr>
+        <p:txBody>
+          <a:bodyPr>
+            <a:normAutofit/>
+          </a:bodyPr>
+          <a:lstStyle/>
+          <a:p>
+            <a:pPr algn="l"/>
+            <a:r>
+              <a:rPr lang="en-US" altLang="zh-TW" b="1" dirty="0">
+                <a:solidFill>
+                  <a:srgbClr val="FFFF00"/>
+                </a:solidFill>
+              </a:rPr>
+              <a:t>19.10 Quiz</a:t>
+            </a:r>
+            <a:endParaRPr lang="zh-TW" altLang="en-US" b="1" dirty="0">
+              <a:solidFill>
+                <a:srgbClr val="FFFF00"/>
+              </a:solidFill>
+            </a:endParaRPr>
+          </a:p>
+        </p:txBody>
+      </p:sp>
+      <p:sp>
+        <p:nvSpPr>
+          <p:cNvPr id="3" name="副標題 2"/>
+          <p:cNvSpPr>
+            <a:spLocks noGrp="1"/>
+          </p:cNvSpPr>
+          <p:nvPr>
+            <p:ph type="subTitle" idx="1"/>
+          </p:nvPr>
+        </p:nvSpPr>
+        <p:spPr>
+          <a:xfrm>
+            <a:off x="457200" y="1325448"/>
+            <a:ext cx="1018456" cy="360041"/>
+          </a:xfrm>
+          <a:ln>
+            <a:solidFill>
+              <a:srgbClr val="C00000"/>
+            </a:solidFill>
+          </a:ln>
+        </p:spPr>
+        <p:txBody>
+          <a:bodyPr>
+            <a:noAutofit/>
+          </a:bodyPr>
+          <a:lstStyle/>
+          <a:p>
+            <a:pPr marL="342900" indent="-342900" algn="l">
+              <a:buClr>
+                <a:srgbClr val="0070C0"/>
+              </a:buClr>
+              <a:buSzPct val="80000"/>
+              <a:buFont typeface="Wingdings" pitchFamily="2" charset="2"/>
+              <a:buChar char="u"/>
+            </a:pPr>
+            <a:r>
+              <a:rPr lang="en-US" sz="1800" b="1" dirty="0">
+                <a:solidFill>
+                  <a:schemeClr val="tx1"/>
+                </a:solidFill>
+              </a:rPr>
+              <a:t>Quiz</a:t>
+            </a:r>
+          </a:p>
+        </p:txBody>
+      </p:sp>
+      <p:sp>
+        <p:nvSpPr>
+          <p:cNvPr id="4" name="標題 1"/>
+          <p:cNvSpPr txBox="1">
+            <a:spLocks/>
+          </p:cNvSpPr>
+          <p:nvPr/>
+        </p:nvSpPr>
+        <p:spPr>
+          <a:xfrm>
+            <a:off x="0" y="764704"/>
+            <a:ext cx="9144000" cy="360040"/>
+          </a:xfrm>
+          <a:prstGeom prst="rect">
+            <a:avLst/>
+          </a:prstGeom>
+          <a:gradFill flip="none" rotWithShape="1">
+            <a:gsLst>
+              <a:gs pos="0">
+                <a:srgbClr val="00B0F0">
+                  <a:shade val="30000"/>
+                  <a:satMod val="115000"/>
+                </a:srgbClr>
+              </a:gs>
+              <a:gs pos="50000">
+                <a:srgbClr val="00B0F0">
+                  <a:shade val="67500"/>
+                  <a:satMod val="115000"/>
+                </a:srgbClr>
+              </a:gs>
+              <a:gs pos="100000">
+                <a:srgbClr val="00B0F0">
+                  <a:shade val="100000"/>
+                  <a:satMod val="115000"/>
+                </a:srgbClr>
+              </a:gs>
+            </a:gsLst>
+            <a:path path="circle">
+              <a:fillToRect t="100000" r="100000"/>
+            </a:path>
+            <a:tileRect l="-100000" b="-100000"/>
+          </a:gradFill>
+        </p:spPr>
+        <p:txBody>
+          <a:bodyPr vert="horz" lIns="91440" tIns="45720" rIns="91440" bIns="45720" rtlCol="0" anchor="ctr">
+            <a:normAutofit/>
+          </a:bodyPr>
+          <a:lstStyle/>
+          <a:p>
+            <a:pPr lvl="0">
+              <a:spcBef>
+                <a:spcPct val="0"/>
+              </a:spcBef>
+            </a:pPr>
+            <a:r>
+              <a:rPr lang="en-US" sz="1600" dirty="0">
+                <a:hlinkClick r:id="rId2"/>
+              </a:rPr>
+              <a:t>https://www.youtube.com/watch?v=stWU37L91Yc&amp;list=PLZbbT5o_s2xrfNyHZsM6ufI0iZENK9xgG&amp;index=19</a:t>
+            </a:r>
+            <a:endParaRPr kumimoji="0" lang="zh-TW" altLang="en-US" sz="1600" b="0" i="0" u="none" strike="noStrike" kern="1200" cap="none" spc="0" normalizeH="0" baseline="0" noProof="0" dirty="0">
+              <a:ln>
+                <a:noFill/>
+              </a:ln>
+              <a:solidFill>
+                <a:schemeClr val="tx1"/>
+              </a:solidFill>
+              <a:effectLst/>
+              <a:uLnTx/>
+              <a:uFillTx/>
+              <a:latin typeface="+mj-lt"/>
+              <a:ea typeface="+mj-ea"/>
+              <a:cs typeface="+mj-cs"/>
+            </a:endParaRPr>
+          </a:p>
+        </p:txBody>
+      </p:sp>
+      <p:sp>
+        <p:nvSpPr>
+          <p:cNvPr id="5" name="日期版面配置區 4"/>
+          <p:cNvSpPr>
+            <a:spLocks noGrp="1"/>
+          </p:cNvSpPr>
+          <p:nvPr>
+            <p:ph type="dt" sz="half" idx="10"/>
+          </p:nvPr>
+        </p:nvSpPr>
+        <p:spPr/>
+        <p:txBody>
+          <a:bodyPr/>
+          <a:lstStyle/>
+          <a:p>
+            <a:fld id="{A4F910E6-8D00-4BAF-8C48-9688E0B449D3}" type="datetime1">
+              <a:rPr lang="zh-TW" altLang="en-US" smtClean="0"/>
+              <a:pPr/>
+              <a:t>2020/5/30</a:t>
+            </a:fld>
+            <a:endParaRPr lang="zh-TW" altLang="en-US"/>
+          </a:p>
+        </p:txBody>
+      </p:sp>
+      <p:sp>
+        <p:nvSpPr>
+          <p:cNvPr id="6" name="投影片編號版面配置區 5"/>
+          <p:cNvSpPr>
+            <a:spLocks noGrp="1"/>
+          </p:cNvSpPr>
+          <p:nvPr>
+            <p:ph type="sldNum" sz="quarter" idx="12"/>
+          </p:nvPr>
+        </p:nvSpPr>
+        <p:spPr/>
+        <p:txBody>
+          <a:bodyPr/>
+          <a:lstStyle/>
+          <a:p>
+            <a:fld id="{E4D7E63D-91F2-4366-A2C4-1B00C9E2590E}" type="slidenum">
+              <a:rPr lang="zh-TW" altLang="en-US" smtClean="0"/>
+              <a:pPr/>
+              <a:t>57</a:t>
+            </a:fld>
+            <a:endParaRPr lang="zh-TW" altLang="en-US"/>
+          </a:p>
+        </p:txBody>
+      </p:sp>
+      <p:pic>
+        <p:nvPicPr>
+          <p:cNvPr id="7" name="Picture 6">
+            <a:extLst>
+              <a:ext uri="{FF2B5EF4-FFF2-40B4-BE49-F238E27FC236}">
+                <a16:creationId xmlns:a16="http://schemas.microsoft.com/office/drawing/2014/main" id="{83843EB9-EB86-4F8E-897E-0695B5393049}"/>
+              </a:ext>
+            </a:extLst>
+          </p:cNvPr>
+          <p:cNvPicPr>
+            <a:picLocks noChangeAspect="1"/>
+          </p:cNvPicPr>
+          <p:nvPr/>
+        </p:nvPicPr>
+        <p:blipFill>
+          <a:blip r:embed="rId3"/>
+          <a:stretch>
+            <a:fillRect/>
+          </a:stretch>
+        </p:blipFill>
+        <p:spPr>
+          <a:xfrm>
+            <a:off x="1619672" y="1325448"/>
+            <a:ext cx="6800850" cy="1895475"/>
+          </a:xfrm>
+          <a:prstGeom prst="rect">
+            <a:avLst/>
+          </a:prstGeom>
+          <a:ln>
+            <a:solidFill>
+              <a:srgbClr val="C00000"/>
+            </a:solidFill>
+          </a:ln>
+        </p:spPr>
+      </p:pic>
+    </p:spTree>
+    <p:extLst>
+      <p:ext uri="{BB962C8B-B14F-4D97-AF65-F5344CB8AC3E}">
+        <p14:creationId xmlns:p14="http://schemas.microsoft.com/office/powerpoint/2010/main" val="1285796982"/>
+      </p:ext>
+    </p:extLst>
+  </p:cSld>
+  <p:clrMapOvr>
+    <a:masterClrMapping/>
+  </p:clrMapOvr>
+</p:sld>
+</file>
+
+<file path=ppt/slides/slide58.xml><?xml version="1.0" encoding="utf-8"?>
+<p:sld xmlns:a="http://schemas.openxmlformats.org/drawingml/2006/main" xmlns:r="http://schemas.openxmlformats.org/officeDocument/2006/relationships" xmlns:p="http://schemas.openxmlformats.org/presentationml/2006/main">
+  <p:cSld>
+    <p:spTree>
+      <p:nvGrpSpPr>
+        <p:cNvPr id="1" name=""/>
+        <p:cNvGrpSpPr/>
+        <p:nvPr/>
+      </p:nvGrpSpPr>
+      <p:grpSpPr>
+        <a:xfrm>
+          <a:off x="0" y="0"/>
+          <a:ext cx="0" cy="0"/>
+          <a:chOff x="0" y="0"/>
+          <a:chExt cx="0" cy="0"/>
+        </a:xfrm>
+      </p:grpSpPr>
+      <p:sp>
+        <p:nvSpPr>
+          <p:cNvPr id="2" name="標題 1"/>
+          <p:cNvSpPr>
+            <a:spLocks noGrp="1"/>
+          </p:cNvSpPr>
+          <p:nvPr>
+            <p:ph type="ctrTitle"/>
+          </p:nvPr>
+        </p:nvSpPr>
+        <p:spPr>
+          <a:xfrm>
+            <a:off x="0" y="2130425"/>
+            <a:ext cx="9144000" cy="1470025"/>
+          </a:xfrm>
+          <a:gradFill flip="none" rotWithShape="1">
+            <a:gsLst>
+              <a:gs pos="0">
+                <a:srgbClr val="00B0F0">
+                  <a:shade val="30000"/>
+                  <a:satMod val="115000"/>
+                </a:srgbClr>
+              </a:gs>
+              <a:gs pos="50000">
+                <a:srgbClr val="00B0F0">
+                  <a:shade val="67500"/>
+                  <a:satMod val="115000"/>
+                </a:srgbClr>
+              </a:gs>
+              <a:gs pos="100000">
+                <a:srgbClr val="00B0F0">
+                  <a:shade val="100000"/>
+                  <a:satMod val="115000"/>
+                </a:srgbClr>
+              </a:gs>
+            </a:gsLst>
+            <a:path path="circle">
+              <a:fillToRect t="100000" r="100000"/>
+            </a:path>
+            <a:tileRect l="-100000" b="-100000"/>
+          </a:gradFill>
+        </p:spPr>
+        <p:txBody>
+          <a:bodyPr>
+            <a:normAutofit/>
+          </a:bodyPr>
+          <a:lstStyle/>
+          <a:p>
             <a:r>
               <a:rPr lang="en-US" altLang="zh-TW" sz="6000" b="1" dirty="0">
                 <a:solidFill>
@@ -20205,7 +22167,7 @@
             <a:fld id="{4E46BE27-E923-4EC2-B046-3272AE2A3E5C}" type="datetime1">
               <a:rPr lang="zh-TW" altLang="en-US" smtClean="0"/>
               <a:pPr/>
-              <a:t>2020/5/29</a:t>
+              <a:t>2020/5/30</a:t>
             </a:fld>
             <a:endParaRPr lang="zh-TW" altLang="en-US"/>
           </a:p>
@@ -20229,7 +22191,7 @@
             <a:fld id="{E4D7E63D-91F2-4366-A2C4-1B00C9E2590E}" type="slidenum">
               <a:rPr lang="zh-TW" altLang="en-US" smtClean="0"/>
               <a:pPr/>
-              <a:t>51</a:t>
+              <a:t>58</a:t>
             </a:fld>
             <a:endParaRPr lang="zh-TW" altLang="en-US"/>
           </a:p>
@@ -20552,7 +22514,7 @@
             <a:fld id="{A4F910E6-8D00-4BAF-8C48-9688E0B449D3}" type="datetime1">
               <a:rPr lang="zh-TW" altLang="en-US" smtClean="0"/>
               <a:pPr/>
-              <a:t>2020/5/29</a:t>
+              <a:t>2020/5/30</a:t>
             </a:fld>
             <a:endParaRPr lang="zh-TW" altLang="en-US"/>
           </a:p>
@@ -20935,7 +22897,7 @@
             <a:fld id="{A4F910E6-8D00-4BAF-8C48-9688E0B449D3}" type="datetime1">
               <a:rPr lang="zh-TW" altLang="en-US" smtClean="0"/>
               <a:pPr/>
-              <a:t>2020/5/29</a:t>
+              <a:t>2020/5/30</a:t>
             </a:fld>
             <a:endParaRPr lang="zh-TW" altLang="en-US"/>
           </a:p>
@@ -21352,7 +23314,7 @@
             <a:fld id="{A4F910E6-8D00-4BAF-8C48-9688E0B449D3}" type="datetime1">
               <a:rPr lang="zh-TW" altLang="en-US" smtClean="0"/>
               <a:pPr/>
-              <a:t>2020/5/29</a:t>
+              <a:t>2020/5/30</a:t>
             </a:fld>
             <a:endParaRPr lang="zh-TW" altLang="en-US"/>
           </a:p>
@@ -21769,7 +23731,7 @@
             <a:fld id="{A4F910E6-8D00-4BAF-8C48-9688E0B449D3}" type="datetime1">
               <a:rPr lang="zh-TW" altLang="en-US" smtClean="0"/>
               <a:pPr/>
-              <a:t>2020/5/29</a:t>
+              <a:t>2020/5/30</a:t>
             </a:fld>
             <a:endParaRPr lang="zh-TW" altLang="en-US"/>
           </a:p>
